--- a/Slides/08. Tabela de Símbolos.pptx
+++ b/Slides/08. Tabela de Símbolos.pptx
@@ -5,10 +5,10 @@
     <p:sldMasterId id="2147483648" r:id="rId4"/>
   </p:sldMasterIdLst>
   <p:notesMasterIdLst>
-    <p:notesMasterId r:id="rId24"/>
+    <p:notesMasterId r:id="rId25"/>
   </p:notesMasterIdLst>
   <p:handoutMasterIdLst>
-    <p:handoutMasterId r:id="rId25"/>
+    <p:handoutMasterId r:id="rId26"/>
   </p:handoutMasterIdLst>
   <p:sldIdLst>
     <p:sldId id="265" r:id="rId5"/>
@@ -27,14 +27,15 @@
     <p:sldId id="305" r:id="rId18"/>
     <p:sldId id="316" r:id="rId19"/>
     <p:sldId id="317" r:id="rId20"/>
-    <p:sldId id="318" r:id="rId21"/>
-    <p:sldId id="319" r:id="rId22"/>
-    <p:sldId id="320" r:id="rId23"/>
+    <p:sldId id="323" r:id="rId21"/>
+    <p:sldId id="318" r:id="rId22"/>
+    <p:sldId id="319" r:id="rId23"/>
+    <p:sldId id="320" r:id="rId24"/>
   </p:sldIdLst>
   <p:sldSz cx="12188825" cy="6858000"/>
   <p:notesSz cx="6858000" cy="9144000"/>
   <p:custDataLst>
-    <p:tags r:id="rId26"/>
+    <p:tags r:id="rId27"/>
   </p:custDataLst>
   <p:defaultTextStyle>
     <a:defPPr rtl="0">
@@ -156,16 +157,13 @@
 <file path=ppt/revisionInfo.xml><?xml version="1.0" encoding="utf-8"?>
 <p1510:revInfo xmlns:a="http://schemas.openxmlformats.org/drawingml/2006/main" xmlns:r="http://schemas.openxmlformats.org/officeDocument/2006/relationships" xmlns:p1510="http://schemas.microsoft.com/office/powerpoint/2015/10/main">
   <p1510:revLst>
-    <p1510:client id="{19FED7B0-D09C-4444-9A6C-BD1E562FDB94}" v="4" dt="2019-10-15T23:19:01.757"/>
+    <p1510:client id="{3A2C66BD-4906-4BD8-A1B0-21F6CB107536}" v="1" dt="2021-03-22T04:04:44.708"/>
   </p1510:revLst>
 </p1510:revInfo>
 </file>
 
 <file path=ppt/changesInfos/changesInfo1.xml><?xml version="1.0" encoding="utf-8"?>
 <pc:chgInfo xmlns:a="http://schemas.openxmlformats.org/drawingml/2006/main" xmlns:r="http://schemas.openxmlformats.org/officeDocument/2006/relationships" xmlns:ac="http://schemas.microsoft.com/office/drawing/2013/main/command" xmlns:pc="http://schemas.microsoft.com/office/powerpoint/2013/main/command">
-  <pc:docChgLst>
-    <pc:chgData name="Judson Santiago" userId="ebb108da2f256286" providerId="LiveId" clId="{A626DAF5-E94C-4A08-8E11-2DDB4976B68A}"/>
-  </pc:docChgLst>
   <pc:docChgLst>
     <pc:chgData name="Judson Santiago" userId="ebb108da2f256286" providerId="LiveId" clId="{9A5498C2-D165-4BE1-9A80-003FF19521FF}"/>
     <pc:docChg chg="undo custSel addSld modSld sldOrd">
@@ -1168,7 +1166,247 @@
     </pc:docChg>
   </pc:docChgLst>
   <pc:docChgLst>
-    <pc:chgData name="Judson Santiago" userId="ebb108da2f256286" providerId="LiveId" clId="{CB315B8D-0B49-4873-8D9E-DA1F3892F7A6}"/>
+    <pc:chgData name="Judson Santiago" userId="ebb108da2f256286" providerId="LiveId" clId="{3A2C66BD-4906-4BD8-A1B0-21F6CB107536}"/>
+    <pc:docChg chg="undo redo custSel addSld modSld">
+      <pc:chgData name="Judson Santiago" userId="ebb108da2f256286" providerId="LiveId" clId="{3A2C66BD-4906-4BD8-A1B0-21F6CB107536}" dt="2021-03-24T00:09:31.108" v="1379" actId="20577"/>
+      <pc:docMkLst>
+        <pc:docMk/>
+      </pc:docMkLst>
+      <pc:sldChg chg="modNotesTx">
+        <pc:chgData name="Judson Santiago" userId="ebb108da2f256286" providerId="LiveId" clId="{3A2C66BD-4906-4BD8-A1B0-21F6CB107536}" dt="2021-03-23T16:46:56.556" v="1371"/>
+        <pc:sldMkLst>
+          <pc:docMk/>
+          <pc:sldMk cId="2808920126" sldId="265"/>
+        </pc:sldMkLst>
+      </pc:sldChg>
+      <pc:sldChg chg="modSp mod">
+        <pc:chgData name="Judson Santiago" userId="ebb108da2f256286" providerId="LiveId" clId="{3A2C66BD-4906-4BD8-A1B0-21F6CB107536}" dt="2021-03-22T03:09:05.153" v="0" actId="14100"/>
+        <pc:sldMkLst>
+          <pc:docMk/>
+          <pc:sldMk cId="986620063" sldId="287"/>
+        </pc:sldMkLst>
+        <pc:cxnChg chg="mod">
+          <ac:chgData name="Judson Santiago" userId="ebb108da2f256286" providerId="LiveId" clId="{3A2C66BD-4906-4BD8-A1B0-21F6CB107536}" dt="2021-03-22T03:09:05.153" v="0" actId="14100"/>
+          <ac:cxnSpMkLst>
+            <pc:docMk/>
+            <pc:sldMk cId="986620063" sldId="287"/>
+            <ac:cxnSpMk id="31" creationId="{D7E85D5C-F8BA-4279-8DD3-FA8821532E44}"/>
+          </ac:cxnSpMkLst>
+        </pc:cxnChg>
+      </pc:sldChg>
+      <pc:sldChg chg="modNotesTx">
+        <pc:chgData name="Judson Santiago" userId="ebb108da2f256286" providerId="LiveId" clId="{3A2C66BD-4906-4BD8-A1B0-21F6CB107536}" dt="2021-03-23T16:25:21.364" v="1370" actId="6549"/>
+        <pc:sldMkLst>
+          <pc:docMk/>
+          <pc:sldMk cId="1177777645" sldId="302"/>
+        </pc:sldMkLst>
+      </pc:sldChg>
+      <pc:sldChg chg="modSp mod">
+        <pc:chgData name="Judson Santiago" userId="ebb108da2f256286" providerId="LiveId" clId="{3A2C66BD-4906-4BD8-A1B0-21F6CB107536}" dt="2021-03-22T03:34:35.436" v="291" actId="20577"/>
+        <pc:sldMkLst>
+          <pc:docMk/>
+          <pc:sldMk cId="478542371" sldId="303"/>
+        </pc:sldMkLst>
+        <pc:spChg chg="mod">
+          <ac:chgData name="Judson Santiago" userId="ebb108da2f256286" providerId="LiveId" clId="{3A2C66BD-4906-4BD8-A1B0-21F6CB107536}" dt="2021-03-22T03:34:35.436" v="291" actId="20577"/>
+          <ac:spMkLst>
+            <pc:docMk/>
+            <pc:sldMk cId="478542371" sldId="303"/>
+            <ac:spMk id="3" creationId="{C9874ADF-408A-49D8-9BF6-159200FE0E07}"/>
+          </ac:spMkLst>
+        </pc:spChg>
+      </pc:sldChg>
+      <pc:sldChg chg="modSp mod">
+        <pc:chgData name="Judson Santiago" userId="ebb108da2f256286" providerId="LiveId" clId="{3A2C66BD-4906-4BD8-A1B0-21F6CB107536}" dt="2021-03-22T03:20:59.471" v="3" actId="207"/>
+        <pc:sldMkLst>
+          <pc:docMk/>
+          <pc:sldMk cId="2202269471" sldId="312"/>
+        </pc:sldMkLst>
+        <pc:spChg chg="mod">
+          <ac:chgData name="Judson Santiago" userId="ebb108da2f256286" providerId="LiveId" clId="{3A2C66BD-4906-4BD8-A1B0-21F6CB107536}" dt="2021-03-22T03:20:59.471" v="3" actId="207"/>
+          <ac:spMkLst>
+            <pc:docMk/>
+            <pc:sldMk cId="2202269471" sldId="312"/>
+            <ac:spMk id="3" creationId="{96153445-0A35-44D0-9418-84D41C0DBC34}"/>
+          </ac:spMkLst>
+        </pc:spChg>
+      </pc:sldChg>
+      <pc:sldChg chg="modNotesTx">
+        <pc:chgData name="Judson Santiago" userId="ebb108da2f256286" providerId="LiveId" clId="{3A2C66BD-4906-4BD8-A1B0-21F6CB107536}" dt="2021-03-22T03:25:24.824" v="165" actId="114"/>
+        <pc:sldMkLst>
+          <pc:docMk/>
+          <pc:sldMk cId="1416530894" sldId="313"/>
+        </pc:sldMkLst>
+      </pc:sldChg>
+      <pc:sldChg chg="modSp mod">
+        <pc:chgData name="Judson Santiago" userId="ebb108da2f256286" providerId="LiveId" clId="{3A2C66BD-4906-4BD8-A1B0-21F6CB107536}" dt="2021-03-22T05:17:47.121" v="1221" actId="20577"/>
+        <pc:sldMkLst>
+          <pc:docMk/>
+          <pc:sldMk cId="98027821" sldId="314"/>
+        </pc:sldMkLst>
+        <pc:spChg chg="mod">
+          <ac:chgData name="Judson Santiago" userId="ebb108da2f256286" providerId="LiveId" clId="{3A2C66BD-4906-4BD8-A1B0-21F6CB107536}" dt="2021-03-22T05:17:47.121" v="1221" actId="20577"/>
+          <ac:spMkLst>
+            <pc:docMk/>
+            <pc:sldMk cId="98027821" sldId="314"/>
+            <ac:spMk id="3" creationId="{04A15EFD-2292-4EC9-BA4C-F98FFDCEE8A8}"/>
+          </ac:spMkLst>
+        </pc:spChg>
+      </pc:sldChg>
+      <pc:sldChg chg="modSp mod modNotesTx">
+        <pc:chgData name="Judson Santiago" userId="ebb108da2f256286" providerId="LiveId" clId="{3A2C66BD-4906-4BD8-A1B0-21F6CB107536}" dt="2021-03-22T05:54:01.930" v="1369" actId="313"/>
+        <pc:sldMkLst>
+          <pc:docMk/>
+          <pc:sldMk cId="1026693660" sldId="316"/>
+        </pc:sldMkLst>
+        <pc:spChg chg="mod">
+          <ac:chgData name="Judson Santiago" userId="ebb108da2f256286" providerId="LiveId" clId="{3A2C66BD-4906-4BD8-A1B0-21F6CB107536}" dt="2021-03-22T05:25:02.703" v="1223" actId="207"/>
+          <ac:spMkLst>
+            <pc:docMk/>
+            <pc:sldMk cId="1026693660" sldId="316"/>
+            <ac:spMk id="3" creationId="{04A15EFD-2292-4EC9-BA4C-F98FFDCEE8A8}"/>
+          </ac:spMkLst>
+        </pc:spChg>
+        <pc:spChg chg="mod">
+          <ac:chgData name="Judson Santiago" userId="ebb108da2f256286" providerId="LiveId" clId="{3A2C66BD-4906-4BD8-A1B0-21F6CB107536}" dt="2021-03-22T05:54:01.930" v="1369" actId="313"/>
+          <ac:spMkLst>
+            <pc:docMk/>
+            <pc:sldMk cId="1026693660" sldId="316"/>
+            <ac:spMk id="7" creationId="{450FE924-BD6B-49B4-95F0-3FE1376B221D}"/>
+          </ac:spMkLst>
+        </pc:spChg>
+      </pc:sldChg>
+      <pc:sldChg chg="modSp mod">
+        <pc:chgData name="Judson Santiago" userId="ebb108da2f256286" providerId="LiveId" clId="{3A2C66BD-4906-4BD8-A1B0-21F6CB107536}" dt="2021-03-22T05:13:31.343" v="1219" actId="1076"/>
+        <pc:sldMkLst>
+          <pc:docMk/>
+          <pc:sldMk cId="2198679468" sldId="317"/>
+        </pc:sldMkLst>
+        <pc:spChg chg="mod">
+          <ac:chgData name="Judson Santiago" userId="ebb108da2f256286" providerId="LiveId" clId="{3A2C66BD-4906-4BD8-A1B0-21F6CB107536}" dt="2021-03-22T05:13:31.343" v="1219" actId="1076"/>
+          <ac:spMkLst>
+            <pc:docMk/>
+            <pc:sldMk cId="2198679468" sldId="317"/>
+            <ac:spMk id="3" creationId="{7D1AE535-96C0-4EA4-8802-0EBAB45B7F4E}"/>
+          </ac:spMkLst>
+        </pc:spChg>
+        <pc:spChg chg="mod">
+          <ac:chgData name="Judson Santiago" userId="ebb108da2f256286" providerId="LiveId" clId="{3A2C66BD-4906-4BD8-A1B0-21F6CB107536}" dt="2021-03-22T05:13:16.223" v="1218" actId="6549"/>
+          <ac:spMkLst>
+            <pc:docMk/>
+            <pc:sldMk cId="2198679468" sldId="317"/>
+            <ac:spMk id="4" creationId="{241CDBE9-8D91-4303-ADB6-81ED8ECC8549}"/>
+          </ac:spMkLst>
+        </pc:spChg>
+      </pc:sldChg>
+      <pc:sldChg chg="modSp mod modNotesTx">
+        <pc:chgData name="Judson Santiago" userId="ebb108da2f256286" providerId="LiveId" clId="{3A2C66BD-4906-4BD8-A1B0-21F6CB107536}" dt="2021-03-22T05:11:02.145" v="1159" actId="6549"/>
+        <pc:sldMkLst>
+          <pc:docMk/>
+          <pc:sldMk cId="3102437348" sldId="318"/>
+        </pc:sldMkLst>
+        <pc:spChg chg="mod">
+          <ac:chgData name="Judson Santiago" userId="ebb108da2f256286" providerId="LiveId" clId="{3A2C66BD-4906-4BD8-A1B0-21F6CB107536}" dt="2021-03-22T04:20:24.313" v="1027" actId="207"/>
+          <ac:spMkLst>
+            <pc:docMk/>
+            <pc:sldMk cId="3102437348" sldId="318"/>
+            <ac:spMk id="3" creationId="{651FE214-1AD7-495B-994F-C5482492D61D}"/>
+          </ac:spMkLst>
+        </pc:spChg>
+        <pc:spChg chg="mod">
+          <ac:chgData name="Judson Santiago" userId="ebb108da2f256286" providerId="LiveId" clId="{3A2C66BD-4906-4BD8-A1B0-21F6CB107536}" dt="2021-03-22T05:10:55.989" v="1154" actId="6549"/>
+          <ac:spMkLst>
+            <pc:docMk/>
+            <pc:sldMk cId="3102437348" sldId="318"/>
+            <ac:spMk id="4" creationId="{7A31718F-3254-4729-AFA2-901A63822DCA}"/>
+          </ac:spMkLst>
+        </pc:spChg>
+        <pc:spChg chg="mod">
+          <ac:chgData name="Judson Santiago" userId="ebb108da2f256286" providerId="LiveId" clId="{3A2C66BD-4906-4BD8-A1B0-21F6CB107536}" dt="2021-03-22T05:11:02.145" v="1159" actId="6549"/>
+          <ac:spMkLst>
+            <pc:docMk/>
+            <pc:sldMk cId="3102437348" sldId="318"/>
+            <ac:spMk id="5" creationId="{81A73D13-A3A4-4AF6-95FD-F0C9249BDD49}"/>
+          </ac:spMkLst>
+        </pc:spChg>
+      </pc:sldChg>
+      <pc:sldChg chg="modSp mod">
+        <pc:chgData name="Judson Santiago" userId="ebb108da2f256286" providerId="LiveId" clId="{3A2C66BD-4906-4BD8-A1B0-21F6CB107536}" dt="2021-03-24T00:09:31.108" v="1379" actId="20577"/>
+        <pc:sldMkLst>
+          <pc:docMk/>
+          <pc:sldMk cId="3711155791" sldId="319"/>
+        </pc:sldMkLst>
+        <pc:graphicFrameChg chg="mod modGraphic">
+          <ac:chgData name="Judson Santiago" userId="ebb108da2f256286" providerId="LiveId" clId="{3A2C66BD-4906-4BD8-A1B0-21F6CB107536}" dt="2021-03-24T00:09:31.108" v="1379" actId="20577"/>
+          <ac:graphicFrameMkLst>
+            <pc:docMk/>
+            <pc:sldMk cId="3711155791" sldId="319"/>
+            <ac:graphicFrameMk id="4" creationId="{35507397-BE6E-4532-B9C2-7E4E21E38CBB}"/>
+          </ac:graphicFrameMkLst>
+        </pc:graphicFrameChg>
+      </pc:sldChg>
+      <pc:sldChg chg="modSp mod">
+        <pc:chgData name="Judson Santiago" userId="ebb108da2f256286" providerId="LiveId" clId="{3A2C66BD-4906-4BD8-A1B0-21F6CB107536}" dt="2021-03-22T04:31:10.989" v="1110" actId="6549"/>
+        <pc:sldMkLst>
+          <pc:docMk/>
+          <pc:sldMk cId="2756075386" sldId="320"/>
+        </pc:sldMkLst>
+        <pc:spChg chg="mod">
+          <ac:chgData name="Judson Santiago" userId="ebb108da2f256286" providerId="LiveId" clId="{3A2C66BD-4906-4BD8-A1B0-21F6CB107536}" dt="2021-03-22T04:31:10.989" v="1110" actId="6549"/>
+          <ac:spMkLst>
+            <pc:docMk/>
+            <pc:sldMk cId="2756075386" sldId="320"/>
+            <ac:spMk id="3" creationId="{52A0DAD9-E989-4751-9C1C-148210C2519C}"/>
+          </ac:spMkLst>
+        </pc:spChg>
+      </pc:sldChg>
+      <pc:sldChg chg="modSp mod">
+        <pc:chgData name="Judson Santiago" userId="ebb108da2f256286" providerId="LiveId" clId="{3A2C66BD-4906-4BD8-A1B0-21F6CB107536}" dt="2021-03-22T05:21:23.243" v="1222" actId="20577"/>
+        <pc:sldMkLst>
+          <pc:docMk/>
+          <pc:sldMk cId="838947106" sldId="321"/>
+        </pc:sldMkLst>
+        <pc:spChg chg="mod">
+          <ac:chgData name="Judson Santiago" userId="ebb108da2f256286" providerId="LiveId" clId="{3A2C66BD-4906-4BD8-A1B0-21F6CB107536}" dt="2021-03-22T05:21:23.243" v="1222" actId="20577"/>
+          <ac:spMkLst>
+            <pc:docMk/>
+            <pc:sldMk cId="838947106" sldId="321"/>
+            <ac:spMk id="3" creationId="{392F1E43-EC00-4CE9-922D-C7E2B40E074F}"/>
+          </ac:spMkLst>
+        </pc:spChg>
+      </pc:sldChg>
+      <pc:sldChg chg="addSp modSp new mod">
+        <pc:chgData name="Judson Santiago" userId="ebb108da2f256286" providerId="LiveId" clId="{3A2C66BD-4906-4BD8-A1B0-21F6CB107536}" dt="2021-03-22T04:11:10.024" v="775" actId="20577"/>
+        <pc:sldMkLst>
+          <pc:docMk/>
+          <pc:sldMk cId="1895756402" sldId="323"/>
+        </pc:sldMkLst>
+        <pc:spChg chg="mod">
+          <ac:chgData name="Judson Santiago" userId="ebb108da2f256286" providerId="LiveId" clId="{3A2C66BD-4906-4BD8-A1B0-21F6CB107536}" dt="2021-03-22T04:00:26.165" v="311" actId="20577"/>
+          <ac:spMkLst>
+            <pc:docMk/>
+            <pc:sldMk cId="1895756402" sldId="323"/>
+            <ac:spMk id="2" creationId="{9405F354-8042-4412-995E-515BEA0F1501}"/>
+          </ac:spMkLst>
+        </pc:spChg>
+        <pc:spChg chg="mod">
+          <ac:chgData name="Judson Santiago" userId="ebb108da2f256286" providerId="LiveId" clId="{3A2C66BD-4906-4BD8-A1B0-21F6CB107536}" dt="2021-03-22T04:11:10.024" v="775" actId="20577"/>
+          <ac:spMkLst>
+            <pc:docMk/>
+            <pc:sldMk cId="1895756402" sldId="323"/>
+            <ac:spMk id="3" creationId="{55AD4C70-AE62-4B34-A9D0-EA750F128A6C}"/>
+          </ac:spMkLst>
+        </pc:spChg>
+        <pc:spChg chg="add mod">
+          <ac:chgData name="Judson Santiago" userId="ebb108da2f256286" providerId="LiveId" clId="{3A2C66BD-4906-4BD8-A1B0-21F6CB107536}" dt="2021-03-22T04:06:46.709" v="761" actId="1076"/>
+          <ac:spMkLst>
+            <pc:docMk/>
+            <pc:sldMk cId="1895756402" sldId="323"/>
+            <ac:spMk id="4" creationId="{D2469AE5-C758-4480-8E0F-7A0D7C3F1C0D}"/>
+          </ac:spMkLst>
+        </pc:spChg>
+      </pc:sldChg>
+    </pc:docChg>
   </pc:docChgLst>
   <pc:docChgLst>
     <pc:chgData name="Judson Santiago" userId="ebb108da2f256286" providerId="LiveId" clId="{19FED7B0-D09C-4444-9A6C-BD1E562FDB94}"/>
@@ -1434,7 +1672,7 @@
             <a:pPr rtl="0"/>
             <a:fld id="{6BFEDBB9-17B2-4B3E-927F-6A2C95FBF9DC}" type="datetime1">
               <a:rPr lang="pt-BR" smtClean="0"/>
-              <a:t>15/10/2019</a:t>
+              <a:t>23/03/2021</a:t>
             </a:fld>
             <a:endParaRPr lang="pt-BR" dirty="0"/>
           </a:p>
@@ -1604,7 +1842,7 @@
             <a:pPr rtl="0"/>
             <a:fld id="{7CFDB409-DC9D-40CF-939D-973CAB3BAB25}" type="datetime1">
               <a:rPr lang="pt-BR" noProof="0" smtClean="0"/>
-              <a:t>15/10/2019</a:t>
+              <a:t>23/03/2021</a:t>
             </a:fld>
             <a:endParaRPr lang="pt-BR" noProof="0" dirty="0"/>
           </a:p>
@@ -1919,6 +2157,26 @@
           <a:bodyPr/>
           <a:lstStyle/>
           <a:p>
+            <a:r>
+              <a:rPr lang="pt-BR" b="0" i="0" dirty="0">
+                <a:solidFill>
+                  <a:srgbClr val="000000"/>
+                </a:solidFill>
+                <a:effectLst/>
+                <a:latin typeface="Verdana" panose="020B0604030504040204" pitchFamily="34" charset="0"/>
+              </a:rPr>
+              <a:t>O que é a tabela de símbolos e onde ele é utilizada. Implementação de escopos através da tabela de símbolos. Gramáticas com blocos aninhados. Regra do aninhamento mais interno. Encadeamento de tabelas de símbolos. Representação do ambiente. Uso da tabela em um esquema de tradução. Implementação da tabela de símbolos. </a:t>
+            </a:r>
+            <a:r>
+              <a:rPr lang="pt-BR" b="0" i="0">
+                <a:solidFill>
+                  <a:srgbClr val="000000"/>
+                </a:solidFill>
+                <a:effectLst/>
+                <a:latin typeface="Verdana" panose="020B0604030504040204" pitchFamily="34" charset="0"/>
+              </a:rPr>
+              <a:t>Apresentação do Trabalho Prático.</a:t>
+            </a:r>
             <a:endParaRPr lang="pt-BR" dirty="0"/>
           </a:p>
         </p:txBody>
@@ -2004,30 +2262,9 @@
           <a:bodyPr/>
           <a:lstStyle/>
           <a:p>
-            <a:pPr marL="0" marR="0" lvl="0" indent="0" algn="l" defTabSz="914400" rtl="0" eaLnBrk="1" fontAlgn="auto" latinLnBrk="0" hangingPunct="1">
-              <a:lnSpc>
-                <a:spcPct val="100000"/>
-              </a:lnSpc>
-              <a:spcBef>
-                <a:spcPts val="0"/>
-              </a:spcBef>
-              <a:spcAft>
-                <a:spcPts val="0"/>
-              </a:spcAft>
-              <a:buClrTx/>
-              <a:buSzTx/>
-              <a:buFontTx/>
-              <a:buNone/>
-              <a:tabLst/>
-              <a:defRPr/>
-            </a:pPr>
-            <a:r>
-              <a:rPr lang="pt-BR" dirty="0" err="1"/>
-              <a:t>Symbol</a:t>
-            </a:r>
             <a:r>
               <a:rPr lang="pt-BR" dirty="0"/>
-              <a:t> contém todas as informações sobre um símbolo (nome) em particular.</a:t>
+              <a:t>Os endereços podem ser úteis para um interpretador que vai executar instruções a medida que analisa o programa.</a:t>
             </a:r>
           </a:p>
         </p:txBody>
@@ -2050,7 +2287,7 @@
             <a:pPr rtl="0"/>
             <a:fld id="{F93199CD-3E1B-4AE6-990F-76F925F5EA9F}" type="slidenum">
               <a:rPr lang="pt-BR" noProof="0" smtClean="0"/>
-              <a:t>16</a:t>
+              <a:t>15</a:t>
             </a:fld>
             <a:endParaRPr lang="pt-BR" noProof="0" dirty="0"/>
           </a:p>
@@ -2059,7 +2296,7 @@
     </p:spTree>
     <p:extLst>
       <p:ext uri="{BB962C8B-B14F-4D97-AF65-F5344CB8AC3E}">
-        <p14:creationId xmlns:p14="http://schemas.microsoft.com/office/powerpoint/2010/main" val="3006384723"/>
+        <p14:creationId xmlns:p14="http://schemas.microsoft.com/office/powerpoint/2010/main" val="1289317552"/>
       </p:ext>
     </p:extLst>
   </p:cSld>
@@ -2113,9 +2350,30 @@
           <a:bodyPr/>
           <a:lstStyle/>
           <a:p>
+            <a:pPr marL="0" marR="0" lvl="0" indent="0" algn="l" defTabSz="914400" rtl="0" eaLnBrk="1" fontAlgn="auto" latinLnBrk="0" hangingPunct="1">
+              <a:lnSpc>
+                <a:spcPct val="100000"/>
+              </a:lnSpc>
+              <a:spcBef>
+                <a:spcPts val="0"/>
+              </a:spcBef>
+              <a:spcAft>
+                <a:spcPts val="0"/>
+              </a:spcAft>
+              <a:buClrTx/>
+              <a:buSzTx/>
+              <a:buFontTx/>
+              <a:buNone/>
+              <a:tabLst/>
+              <a:defRPr/>
+            </a:pPr>
+            <a:r>
+              <a:rPr lang="pt-BR" dirty="0" err="1"/>
+              <a:t>Symbol</a:t>
+            </a:r>
             <a:r>
               <a:rPr lang="pt-BR" dirty="0"/>
-              <a:t>top é nome da tabela se símbolos atual.</a:t>
+              <a:t> contém todas as informações sobre um símbolo (nome) em particular.</a:t>
             </a:r>
           </a:p>
         </p:txBody>
@@ -2138,7 +2396,7 @@
             <a:pPr rtl="0"/>
             <a:fld id="{F93199CD-3E1B-4AE6-990F-76F925F5EA9F}" type="slidenum">
               <a:rPr lang="pt-BR" noProof="0" smtClean="0"/>
-              <a:t>17</a:t>
+              <a:t>16</a:t>
             </a:fld>
             <a:endParaRPr lang="pt-BR" noProof="0" dirty="0"/>
           </a:p>
@@ -2147,7 +2405,7 @@
     </p:spTree>
     <p:extLst>
       <p:ext uri="{BB962C8B-B14F-4D97-AF65-F5344CB8AC3E}">
-        <p14:creationId xmlns:p14="http://schemas.microsoft.com/office/powerpoint/2010/main" val="3420301196"/>
+        <p14:creationId xmlns:p14="http://schemas.microsoft.com/office/powerpoint/2010/main" val="3006384723"/>
       </p:ext>
     </p:extLst>
   </p:cSld>
@@ -2201,6 +2459,98 @@
           <a:bodyPr/>
           <a:lstStyle/>
           <a:p>
+            <a:r>
+              <a:rPr lang="pt-BR" dirty="0" err="1"/>
+              <a:t>table</a:t>
+            </a:r>
+            <a:r>
+              <a:rPr lang="pt-BR" dirty="0"/>
+              <a:t> é nome da tabela se símbolos atual.</a:t>
+            </a:r>
+          </a:p>
+        </p:txBody>
+      </p:sp>
+      <p:sp>
+        <p:nvSpPr>
+          <p:cNvPr id="4" name="Espaço Reservado para Número de Slide 3"/>
+          <p:cNvSpPr>
+            <a:spLocks noGrp="1"/>
+          </p:cNvSpPr>
+          <p:nvPr>
+            <p:ph type="sldNum" sz="quarter" idx="5"/>
+          </p:nvPr>
+        </p:nvSpPr>
+        <p:spPr/>
+        <p:txBody>
+          <a:bodyPr/>
+          <a:lstStyle/>
+          <a:p>
+            <a:pPr rtl="0"/>
+            <a:fld id="{F93199CD-3E1B-4AE6-990F-76F925F5EA9F}" type="slidenum">
+              <a:rPr lang="pt-BR" noProof="0" smtClean="0"/>
+              <a:t>18</a:t>
+            </a:fld>
+            <a:endParaRPr lang="pt-BR" noProof="0" dirty="0"/>
+          </a:p>
+        </p:txBody>
+      </p:sp>
+    </p:spTree>
+    <p:extLst>
+      <p:ext uri="{BB962C8B-B14F-4D97-AF65-F5344CB8AC3E}">
+        <p14:creationId xmlns:p14="http://schemas.microsoft.com/office/powerpoint/2010/main" val="3420301196"/>
+      </p:ext>
+    </p:extLst>
+  </p:cSld>
+  <p:clrMapOvr>
+    <a:masterClrMapping/>
+  </p:clrMapOvr>
+</p:notes>
+</file>
+
+<file path=ppt/notesSlides/notesSlide13.xml><?xml version="1.0" encoding="utf-8"?>
+<p:notes xmlns:a="http://schemas.openxmlformats.org/drawingml/2006/main" xmlns:r="http://schemas.openxmlformats.org/officeDocument/2006/relationships" xmlns:p="http://schemas.openxmlformats.org/presentationml/2006/main">
+  <p:cSld>
+    <p:spTree>
+      <p:nvGrpSpPr>
+        <p:cNvPr id="1" name=""/>
+        <p:cNvGrpSpPr/>
+        <p:nvPr/>
+      </p:nvGrpSpPr>
+      <p:grpSpPr>
+        <a:xfrm>
+          <a:off x="0" y="0"/>
+          <a:ext cx="0" cy="0"/>
+          <a:chOff x="0" y="0"/>
+          <a:chExt cx="0" cy="0"/>
+        </a:xfrm>
+      </p:grpSpPr>
+      <p:sp>
+        <p:nvSpPr>
+          <p:cNvPr id="2" name="Espaço Reservado para Imagem de Slide 1"/>
+          <p:cNvSpPr>
+            <a:spLocks noGrp="1" noRot="1" noChangeAspect="1"/>
+          </p:cNvSpPr>
+          <p:nvPr>
+            <p:ph type="sldImg"/>
+          </p:nvPr>
+        </p:nvSpPr>
+        <p:spPr/>
+      </p:sp>
+      <p:sp>
+        <p:nvSpPr>
+          <p:cNvPr id="3" name="Espaço Reservado para Anotações 2"/>
+          <p:cNvSpPr>
+            <a:spLocks noGrp="1"/>
+          </p:cNvSpPr>
+          <p:nvPr>
+            <p:ph type="body" idx="1"/>
+          </p:nvPr>
+        </p:nvSpPr>
+        <p:spPr/>
+        <p:txBody>
+          <a:bodyPr/>
+          <a:lstStyle/>
+          <a:p>
             <a:pPr marL="0" marR="0" lvl="0" indent="0" algn="l" defTabSz="914400" rtl="0" eaLnBrk="1" fontAlgn="auto" latinLnBrk="0" hangingPunct="1">
               <a:lnSpc>
                 <a:spcPct val="100000"/>
@@ -2262,7 +2612,7 @@
             <a:pPr rtl="0"/>
             <a:fld id="{F93199CD-3E1B-4AE6-990F-76F925F5EA9F}" type="slidenum">
               <a:rPr lang="pt-BR" noProof="0" smtClean="0"/>
-              <a:t>18</a:t>
+              <a:t>19</a:t>
             </a:fld>
             <a:endParaRPr lang="pt-BR" noProof="0" dirty="0"/>
           </a:p>
@@ -2759,7 +3109,26 @@
           <a:bodyPr/>
           <a:lstStyle/>
           <a:p>
-            <a:endParaRPr lang="pt-BR" dirty="0"/>
+            <a:r>
+              <a:rPr lang="pt-BR" dirty="0"/>
+              <a:t>Esta gramática é apenas um exemplo para mostrar o aninhamento de blocos. Em uma gramática real </a:t>
+            </a:r>
+            <a:r>
+              <a:rPr lang="pt-BR" i="1" dirty="0" err="1"/>
+              <a:t>stmt</a:t>
+            </a:r>
+            <a:r>
+              <a:rPr lang="pt-BR" dirty="0"/>
+              <a:t> seria outras coisas além de </a:t>
+            </a:r>
+            <a:r>
+              <a:rPr lang="pt-BR" i="1" dirty="0" err="1"/>
+              <a:t>block</a:t>
+            </a:r>
+            <a:r>
+              <a:rPr lang="pt-BR" dirty="0"/>
+              <a:t>.</a:t>
+            </a:r>
           </a:p>
         </p:txBody>
       </p:sp>
@@ -2846,7 +3215,7 @@
           <a:p>
             <a:r>
               <a:rPr lang="pt-BR" dirty="0"/>
-              <a:t>A tabela de símbolos permite implementar um conceito importante, chamado de ambiente.</a:t>
+              <a:t>A tabela de símbolos permite implementar o conceito de escopo. Mas existe também um outro conceito em que ela é importante: o conceito de ambiente.</a:t>
             </a:r>
           </a:p>
         </p:txBody>
@@ -3472,7 +3841,7 @@
             <a:pPr rtl="0"/>
             <a:fld id="{7386073F-07CC-4F54-983C-A08F76E2B22C}" type="datetime1">
               <a:rPr lang="pt-BR" noProof="0" smtClean="0"/>
-              <a:t>15/10/2019</a:t>
+              <a:t>23/03/2021</a:t>
             </a:fld>
             <a:endParaRPr lang="pt-BR" noProof="0" dirty="0"/>
           </a:p>
@@ -3696,7 +4065,7 @@
             <a:pPr rtl="0"/>
             <a:fld id="{A09B9D17-E8D2-48F1-BB8E-8435624068C9}" type="datetime1">
               <a:rPr lang="pt-BR" noProof="0" smtClean="0"/>
-              <a:t>15/10/2019</a:t>
+              <a:t>23/03/2021</a:t>
             </a:fld>
             <a:endParaRPr lang="pt-BR" noProof="0" dirty="0"/>
           </a:p>
@@ -3984,7 +4353,7 @@
             <a:pPr rtl="0"/>
             <a:fld id="{3CC651F5-80DD-4CFE-BBBA-2C23591EF509}" type="datetime1">
               <a:rPr lang="pt-BR" noProof="0" smtClean="0"/>
-              <a:t>15/10/2019</a:t>
+              <a:t>23/03/2021</a:t>
             </a:fld>
             <a:endParaRPr lang="pt-BR" noProof="0" dirty="0"/>
           </a:p>
@@ -4314,7 +4683,7 @@
             <a:pPr rtl="0"/>
             <a:fld id="{E20F3F8A-A3F9-49EF-8A63-4F3E8648871C}" type="datetime1">
               <a:rPr lang="pt-BR" noProof="0" smtClean="0"/>
-              <a:t>15/10/2019</a:t>
+              <a:t>23/03/2021</a:t>
             </a:fld>
             <a:endParaRPr lang="pt-BR" noProof="0" dirty="0"/>
           </a:p>
@@ -4796,7 +5165,7 @@
             <a:pPr rtl="0"/>
             <a:fld id="{DEB5B092-D646-433C-8E29-1081397BD56B}" type="datetime1">
               <a:rPr lang="pt-BR" noProof="0" smtClean="0"/>
-              <a:t>15/10/2019</a:t>
+              <a:t>23/03/2021</a:t>
             </a:fld>
             <a:endParaRPr lang="pt-BR" noProof="0" dirty="0"/>
           </a:p>
@@ -4924,7 +5293,7 @@
             <a:pPr rtl="0"/>
             <a:fld id="{BB4CE6DC-A634-42A5-81DE-6C671B621413}" type="datetime1">
               <a:rPr lang="pt-BR" noProof="0" smtClean="0"/>
-              <a:t>15/10/2019</a:t>
+              <a:t>23/03/2021</a:t>
             </a:fld>
             <a:endParaRPr lang="pt-BR" noProof="0" dirty="0"/>
           </a:p>
@@ -5244,7 +5613,7 @@
             <a:pPr rtl="0"/>
             <a:fld id="{D2212A4E-660E-4296-8499-89CF1C51321A}" type="datetime1">
               <a:rPr lang="pt-BR" noProof="0" smtClean="0"/>
-              <a:t>15/10/2019</a:t>
+              <a:t>23/03/2021</a:t>
             </a:fld>
             <a:endParaRPr lang="pt-BR" noProof="0" dirty="0"/>
           </a:p>
@@ -5582,7 +5951,7 @@
             <a:pPr rtl="0"/>
             <a:fld id="{B1912D32-F3CE-450A-AE4E-30B99005B8FD}" type="datetime1">
               <a:rPr lang="pt-BR" noProof="0" smtClean="0"/>
-              <a:t>15/10/2019</a:t>
+              <a:t>23/03/2021</a:t>
             </a:fld>
             <a:endParaRPr lang="pt-BR" noProof="0" dirty="0"/>
           </a:p>
@@ -5780,7 +6149,7 @@
             <a:pPr rtl="0"/>
             <a:fld id="{7B7F50BC-2F98-4AAD-BE27-6A84E4E8AC1C}" type="datetime1">
               <a:rPr lang="pt-BR" noProof="0" smtClean="0"/>
-              <a:t>15/10/2019</a:t>
+              <a:t>23/03/2021</a:t>
             </a:fld>
             <a:endParaRPr lang="pt-BR" noProof="0" dirty="0"/>
           </a:p>
@@ -6031,7 +6400,7 @@
             <a:pPr rtl="0"/>
             <a:fld id="{BFCDB3FC-E508-4872-9DA3-DD0C1E84DD1A}" type="datetime1">
               <a:rPr lang="pt-BR" noProof="0" smtClean="0"/>
-              <a:t>15/10/2019</a:t>
+              <a:t>23/03/2021</a:t>
             </a:fld>
             <a:endParaRPr lang="pt-BR" noProof="0" dirty="0"/>
           </a:p>
@@ -9062,11 +9431,11 @@
             </a:r>
             <a:r>
               <a:rPr lang="pt-BR" dirty="0"/>
-              <a:t>: mapeia um nome a uma posição de memória </a:t>
-            </a:r>
-            <a:br>
-              <a:rPr lang="pt-BR" dirty="0"/>
-            </a:br>
+              <a:t>: mapeia um nome a uma posição de memória</a:t>
+            </a:r>
+          </a:p>
+          <a:p>
+            <a:pPr lvl="1"/>
             <a:r>
               <a:rPr lang="pt-BR" b="1" dirty="0"/>
               <a:t>Estado</a:t>
@@ -9952,7 +10321,17 @@
             </a:r>
             <a:r>
               <a:rPr lang="pt-BR" dirty="0"/>
-              <a:t> é um apontador para uma tabela de símbolos</a:t>
+              <a:t> é um apontador para uma </a:t>
+            </a:r>
+            <a:r>
+              <a:rPr lang="pt-BR" dirty="0">
+                <a:solidFill>
+                  <a:schemeClr val="accent1">
+                    <a:lumMod val="75000"/>
+                  </a:schemeClr>
+                </a:solidFill>
+              </a:rPr>
+              <a:t>tabela de símbolos</a:t>
             </a:r>
           </a:p>
           <a:p>
@@ -10574,7 +10953,22 @@
               <a:rPr lang="pt-BR" sz="1400" dirty="0">
                 <a:latin typeface="Consolas" panose="020B0609020204030204" pitchFamily="49" charset="0"/>
               </a:rPr>
-              <a:t>     w = 3;</a:t>
+              <a:t>     y = </a:t>
+            </a:r>
+            <a:r>
+              <a:rPr lang="pt-BR" sz="1400" dirty="0">
+                <a:solidFill>
+                  <a:srgbClr val="FF7575"/>
+                </a:solidFill>
+                <a:latin typeface="Consolas" panose="020B0609020204030204" pitchFamily="49" charset="0"/>
+              </a:rPr>
+              <a:t>'A'</a:t>
+            </a:r>
+            <a:r>
+              <a:rPr lang="pt-BR" sz="1400" dirty="0">
+                <a:latin typeface="Consolas" panose="020B0609020204030204" pitchFamily="49" charset="0"/>
+              </a:rPr>
+              <a:t>;</a:t>
             </a:r>
           </a:p>
           <a:p>
@@ -11459,7 +11853,7 @@
                 </a:solidFill>
                 <a:latin typeface="Consolas" panose="020B0609020204030204" pitchFamily="49" charset="0"/>
               </a:rPr>
-              <a:t>Env</a:t>
+              <a:t>SymTable</a:t>
             </a:r>
             <a:br>
               <a:rPr lang="pt-BR" sz="1600" dirty="0">
@@ -11548,7 +11942,7 @@
                 </a:solidFill>
                 <a:latin typeface="Consolas" panose="020B0609020204030204" pitchFamily="49" charset="0"/>
               </a:rPr>
-              <a:t>Env</a:t>
+              <a:t>SymTable</a:t>
             </a:r>
             <a:r>
               <a:rPr lang="pt-BR" sz="1600" dirty="0">
@@ -11606,7 +12000,7 @@
                 </a:solidFill>
                 <a:latin typeface="Consolas" panose="020B0609020204030204" pitchFamily="49" charset="0"/>
               </a:rPr>
-              <a:t>Env</a:t>
+              <a:t>SymTable</a:t>
             </a:r>
             <a:r>
               <a:rPr lang="pt-BR" sz="1600" dirty="0">
@@ -11624,7 +12018,7 @@
                 </a:solidFill>
                 <a:latin typeface="Consolas" panose="020B0609020204030204" pitchFamily="49" charset="0"/>
               </a:rPr>
-              <a:t>Env</a:t>
+              <a:t>SymTable</a:t>
             </a:r>
             <a:r>
               <a:rPr lang="pt-BR" sz="1600" dirty="0">
@@ -11905,43 +12299,79 @@
                 </a:solidFill>
                 <a:latin typeface="Consolas" panose="020B0609020204030204" pitchFamily="49" charset="0"/>
               </a:rPr>
-              <a:t>Env</a:t>
+              <a:t>SymTable</a:t>
             </a:r>
             <a:r>
               <a:rPr lang="pt-BR" sz="1600" dirty="0">
                 <a:latin typeface="Consolas" panose="020B0609020204030204" pitchFamily="49" charset="0"/>
               </a:rPr>
-              <a:t> e = </a:t>
+              <a:t> </a:t>
             </a:r>
             <a:r>
               <a:rPr lang="pt-BR" sz="1600" dirty="0" err="1">
                 <a:latin typeface="Consolas" panose="020B0609020204030204" pitchFamily="49" charset="0"/>
               </a:rPr>
+              <a:t>st</a:t>
+            </a:r>
+            <a:r>
+              <a:rPr lang="pt-BR" sz="1600" dirty="0">
+                <a:latin typeface="Consolas" panose="020B0609020204030204" pitchFamily="49" charset="0"/>
+              </a:rPr>
+              <a:t> = </a:t>
+            </a:r>
+            <a:r>
+              <a:rPr lang="pt-BR" sz="1600" dirty="0" err="1">
+                <a:latin typeface="Consolas" panose="020B0609020204030204" pitchFamily="49" charset="0"/>
+              </a:rPr>
               <a:t>this</a:t>
             </a:r>
             <a:r>
               <a:rPr lang="pt-BR" sz="1600" dirty="0">
                 <a:latin typeface="Consolas" panose="020B0609020204030204" pitchFamily="49" charset="0"/>
               </a:rPr>
-              <a:t>; e != </a:t>
+              <a:t>; </a:t>
             </a:r>
             <a:r>
               <a:rPr lang="pt-BR" sz="1600" dirty="0" err="1">
                 <a:latin typeface="Consolas" panose="020B0609020204030204" pitchFamily="49" charset="0"/>
               </a:rPr>
+              <a:t>st</a:t>
+            </a:r>
+            <a:r>
+              <a:rPr lang="pt-BR" sz="1600" dirty="0">
+                <a:latin typeface="Consolas" panose="020B0609020204030204" pitchFamily="49" charset="0"/>
+              </a:rPr>
+              <a:t> != </a:t>
+            </a:r>
+            <a:r>
+              <a:rPr lang="pt-BR" sz="1600" dirty="0" err="1">
+                <a:latin typeface="Consolas" panose="020B0609020204030204" pitchFamily="49" charset="0"/>
+              </a:rPr>
               <a:t>null</a:t>
             </a:r>
             <a:r>
               <a:rPr lang="pt-BR" sz="1600" dirty="0">
                 <a:latin typeface="Consolas" panose="020B0609020204030204" pitchFamily="49" charset="0"/>
               </a:rPr>
-              <a:t>; e = </a:t>
+              <a:t>; </a:t>
             </a:r>
             <a:r>
               <a:rPr lang="pt-BR" sz="1600" dirty="0" err="1">
                 <a:latin typeface="Consolas" panose="020B0609020204030204" pitchFamily="49" charset="0"/>
               </a:rPr>
-              <a:t>e.prev</a:t>
+              <a:t>st</a:t>
+            </a:r>
+            <a:r>
+              <a:rPr lang="pt-BR" sz="1600" dirty="0">
+                <a:latin typeface="Consolas" panose="020B0609020204030204" pitchFamily="49" charset="0"/>
+              </a:rPr>
+              <a:t> = </a:t>
+            </a:r>
+            <a:r>
+              <a:rPr lang="pt-BR" sz="1600" dirty="0" err="1">
+                <a:latin typeface="Consolas" panose="020B0609020204030204" pitchFamily="49" charset="0"/>
+              </a:rPr>
+              <a:t>st.prev</a:t>
             </a:r>
             <a:r>
               <a:rPr lang="pt-BR" sz="1600" dirty="0">
@@ -12002,7 +12432,7 @@
               <a:rPr lang="pt-BR" sz="1600" dirty="0" err="1">
                 <a:latin typeface="Consolas" panose="020B0609020204030204" pitchFamily="49" charset="0"/>
               </a:rPr>
-              <a:t>e.table.get</a:t>
+              <a:t>st.table.get</a:t>
             </a:r>
             <a:r>
               <a:rPr lang="pt-BR" sz="1600" dirty="0">
@@ -12169,7 +12599,7 @@
         </p:nvSpPr>
         <p:spPr>
           <a:xfrm>
-            <a:off x="8110636" y="3429000"/>
+            <a:off x="8182644" y="4221088"/>
             <a:ext cx="3024336" cy="1200329"/>
           </a:xfrm>
           <a:prstGeom prst="rect">
@@ -12244,6 +12674,404 @@
           <p:cNvPr id="2" name="Título 1">
             <a:extLst>
               <a:ext uri="{FF2B5EF4-FFF2-40B4-BE49-F238E27FC236}">
+                <a16:creationId xmlns:a16="http://schemas.microsoft.com/office/drawing/2014/main" id="{9405F354-8042-4412-995E-515BEA0F1501}"/>
+              </a:ext>
+            </a:extLst>
+          </p:cNvPr>
+          <p:cNvSpPr>
+            <a:spLocks noGrp="1"/>
+          </p:cNvSpPr>
+          <p:nvPr>
+            <p:ph type="title"/>
+          </p:nvPr>
+        </p:nvSpPr>
+        <p:spPr/>
+        <p:txBody>
+          <a:bodyPr/>
+          <a:lstStyle/>
+          <a:p>
+            <a:r>
+              <a:rPr lang="pt-BR" dirty="0"/>
+              <a:t>Usando a Tabela</a:t>
+            </a:r>
+          </a:p>
+        </p:txBody>
+      </p:sp>
+      <p:sp>
+        <p:nvSpPr>
+          <p:cNvPr id="3" name="Espaço Reservado para Conteúdo 2">
+            <a:extLst>
+              <a:ext uri="{FF2B5EF4-FFF2-40B4-BE49-F238E27FC236}">
+                <a16:creationId xmlns:a16="http://schemas.microsoft.com/office/drawing/2014/main" id="{55AD4C70-AE62-4B34-A9D0-EA750F128A6C}"/>
+              </a:ext>
+            </a:extLst>
+          </p:cNvPr>
+          <p:cNvSpPr>
+            <a:spLocks noGrp="1"/>
+          </p:cNvSpPr>
+          <p:nvPr>
+            <p:ph idx="1"/>
+          </p:nvPr>
+        </p:nvSpPr>
+        <p:spPr/>
+        <p:txBody>
+          <a:bodyPr/>
+          <a:lstStyle/>
+          <a:p>
+            <a:r>
+              <a:rPr lang="pt-BR" dirty="0"/>
+              <a:t>Como </a:t>
+            </a:r>
+            <a:r>
+              <a:rPr lang="pt-BR" dirty="0">
+                <a:solidFill>
+                  <a:schemeClr val="accent1">
+                    <a:lumMod val="75000"/>
+                  </a:schemeClr>
+                </a:solidFill>
+              </a:rPr>
+              <a:t>incorporar a tabela de símbolos</a:t>
+            </a:r>
+            <a:r>
+              <a:rPr lang="pt-BR" dirty="0"/>
+              <a:t> ao analisador léxico e sintático já desenvolvidos?</a:t>
+            </a:r>
+            <a:br>
+              <a:rPr lang="pt-BR" dirty="0"/>
+            </a:br>
+            <a:endParaRPr lang="pt-BR" dirty="0"/>
+          </a:p>
+          <a:p>
+            <a:pPr lvl="1"/>
+            <a:r>
+              <a:rPr lang="pt-BR" dirty="0"/>
+              <a:t>O analisador sintático preditivo é baseado em um </a:t>
+            </a:r>
+            <a:br>
+              <a:rPr lang="pt-BR" dirty="0"/>
+            </a:br>
+            <a:r>
+              <a:rPr lang="pt-BR" dirty="0"/>
+              <a:t>esquema de tradução dirigido por sintaxe:</a:t>
+            </a:r>
+          </a:p>
+          <a:p>
+            <a:pPr lvl="2"/>
+            <a:r>
+              <a:rPr lang="pt-BR" dirty="0">
+                <a:solidFill>
+                  <a:schemeClr val="accent1">
+                    <a:lumMod val="75000"/>
+                  </a:schemeClr>
+                </a:solidFill>
+              </a:rPr>
+              <a:t>Ações semânticas</a:t>
+            </a:r>
+            <a:r>
+              <a:rPr lang="pt-BR" dirty="0"/>
+              <a:t> realizam as traduções</a:t>
+            </a:r>
+          </a:p>
+          <a:p>
+            <a:pPr lvl="2"/>
+            <a:endParaRPr lang="pt-BR" dirty="0"/>
+          </a:p>
+          <a:p>
+            <a:pPr lvl="2"/>
+            <a:endParaRPr lang="pt-BR" dirty="0"/>
+          </a:p>
+          <a:p>
+            <a:pPr lvl="2"/>
+            <a:endParaRPr lang="pt-BR" dirty="0"/>
+          </a:p>
+          <a:p>
+            <a:pPr lvl="2"/>
+            <a:r>
+              <a:rPr lang="pt-BR" dirty="0"/>
+              <a:t>Elas podem também ser usadas para inserir e consultar símbolos na tabela</a:t>
+            </a:r>
+          </a:p>
+        </p:txBody>
+      </p:sp>
+      <p:sp>
+        <p:nvSpPr>
+          <p:cNvPr id="4" name="Retângulo 3">
+            <a:extLst>
+              <a:ext uri="{FF2B5EF4-FFF2-40B4-BE49-F238E27FC236}">
+                <a16:creationId xmlns:a16="http://schemas.microsoft.com/office/drawing/2014/main" id="{D2469AE5-C758-4480-8E0F-7A0D7C3F1C0D}"/>
+              </a:ext>
+            </a:extLst>
+          </p:cNvPr>
+          <p:cNvSpPr/>
+          <p:nvPr/>
+        </p:nvSpPr>
+        <p:spPr>
+          <a:xfrm>
+            <a:off x="2133972" y="4581128"/>
+            <a:ext cx="4249881" cy="830997"/>
+          </a:xfrm>
+          <a:prstGeom prst="rect">
+            <a:avLst/>
+          </a:prstGeom>
+        </p:spPr>
+        <p:txBody>
+          <a:bodyPr wrap="none">
+            <a:spAutoFit/>
+          </a:bodyPr>
+          <a:lstStyle/>
+          <a:p>
+            <a:r>
+              <a:rPr lang="pt-BR" sz="1600" i="1" dirty="0" err="1">
+                <a:latin typeface="Consolas" panose="020B0609020204030204" pitchFamily="49" charset="0"/>
+              </a:rPr>
+              <a:t>expr</a:t>
+            </a:r>
+            <a:r>
+              <a:rPr lang="pt-BR" sz="1600" dirty="0">
+                <a:latin typeface="Consolas" panose="020B0609020204030204" pitchFamily="49" charset="0"/>
+              </a:rPr>
+              <a:t> </a:t>
+            </a:r>
+            <a:r>
+              <a:rPr lang="pt-BR" sz="1600" dirty="0">
+                <a:latin typeface="Consolas" panose="020B0609020204030204" pitchFamily="49" charset="0"/>
+                <a:sym typeface="Wingdings 3" panose="05040102010807070707" pitchFamily="18" charset="2"/>
+              </a:rPr>
+              <a:t>	</a:t>
+            </a:r>
+            <a:r>
+              <a:rPr lang="pt-BR" sz="1600" i="1" dirty="0" err="1">
+                <a:latin typeface="Consolas" panose="020B0609020204030204" pitchFamily="49" charset="0"/>
+              </a:rPr>
+              <a:t>expr</a:t>
+            </a:r>
+            <a:r>
+              <a:rPr lang="pt-BR" sz="1600" i="1" dirty="0">
+                <a:latin typeface="Consolas" panose="020B0609020204030204" pitchFamily="49" charset="0"/>
+              </a:rPr>
+              <a:t> </a:t>
+            </a:r>
+            <a:r>
+              <a:rPr lang="pt-BR" sz="1600" dirty="0">
+                <a:solidFill>
+                  <a:srgbClr val="FF4343"/>
+                </a:solidFill>
+                <a:latin typeface="Consolas" panose="020B0609020204030204" pitchFamily="49" charset="0"/>
+              </a:rPr>
+              <a:t>+</a:t>
+            </a:r>
+            <a:r>
+              <a:rPr lang="pt-BR" sz="1600" dirty="0">
+                <a:latin typeface="Consolas" panose="020B0609020204030204" pitchFamily="49" charset="0"/>
+              </a:rPr>
+              <a:t> </a:t>
+            </a:r>
+            <a:r>
+              <a:rPr lang="pt-BR" sz="1600" i="1" dirty="0" err="1">
+                <a:latin typeface="Consolas" panose="020B0609020204030204" pitchFamily="49" charset="0"/>
+              </a:rPr>
+              <a:t>term</a:t>
+            </a:r>
+            <a:r>
+              <a:rPr lang="pt-BR" sz="1600" i="1" dirty="0">
+                <a:latin typeface="Consolas" panose="020B0609020204030204" pitchFamily="49" charset="0"/>
+              </a:rPr>
+              <a:t>   </a:t>
+            </a:r>
+            <a:r>
+              <a:rPr lang="pt-BR" sz="1600" dirty="0">
+                <a:latin typeface="Consolas" panose="020B0609020204030204" pitchFamily="49" charset="0"/>
+              </a:rPr>
+              <a:t>{ </a:t>
+            </a:r>
+            <a:r>
+              <a:rPr lang="pt-BR" sz="1600" dirty="0" err="1">
+                <a:latin typeface="Consolas" panose="020B0609020204030204" pitchFamily="49" charset="0"/>
+              </a:rPr>
+              <a:t>print</a:t>
+            </a:r>
+            <a:r>
+              <a:rPr lang="pt-BR" sz="1600" dirty="0">
+                <a:latin typeface="Consolas" panose="020B0609020204030204" pitchFamily="49" charset="0"/>
+              </a:rPr>
+              <a:t>(</a:t>
+            </a:r>
+            <a:r>
+              <a:rPr lang="pt-BR" sz="1600" dirty="0">
+                <a:solidFill>
+                  <a:srgbClr val="FF7575"/>
+                </a:solidFill>
+                <a:latin typeface="Consolas" panose="020B0609020204030204" pitchFamily="49" charset="0"/>
+              </a:rPr>
+              <a:t>'+'</a:t>
+            </a:r>
+            <a:r>
+              <a:rPr lang="pt-BR" sz="1600" dirty="0">
+                <a:latin typeface="Consolas" panose="020B0609020204030204" pitchFamily="49" charset="0"/>
+              </a:rPr>
+              <a:t>) }</a:t>
+            </a:r>
+          </a:p>
+          <a:p>
+            <a:r>
+              <a:rPr lang="pt-BR" sz="1600" i="1" dirty="0">
+                <a:latin typeface="Consolas" panose="020B0609020204030204" pitchFamily="49" charset="0"/>
+              </a:rPr>
+              <a:t>    </a:t>
+            </a:r>
+            <a:r>
+              <a:rPr lang="pt-BR" sz="1600" dirty="0">
+                <a:latin typeface="Consolas" panose="020B0609020204030204" pitchFamily="49" charset="0"/>
+              </a:rPr>
+              <a:t> </a:t>
+            </a:r>
+            <a:r>
+              <a:rPr lang="pt-BR" sz="1600" dirty="0">
+                <a:latin typeface="Consolas" panose="020B0609020204030204" pitchFamily="49" charset="0"/>
+                <a:sym typeface="Wingdings 3" panose="05040102010807070707" pitchFamily="18" charset="2"/>
+              </a:rPr>
+              <a:t>|	</a:t>
+            </a:r>
+            <a:r>
+              <a:rPr lang="pt-BR" sz="1600" i="1" dirty="0" err="1">
+                <a:latin typeface="Consolas" panose="020B0609020204030204" pitchFamily="49" charset="0"/>
+              </a:rPr>
+              <a:t>expr</a:t>
+            </a:r>
+            <a:r>
+              <a:rPr lang="pt-BR" sz="1600" i="1" dirty="0">
+                <a:latin typeface="Consolas" panose="020B0609020204030204" pitchFamily="49" charset="0"/>
+              </a:rPr>
+              <a:t> </a:t>
+            </a:r>
+            <a:r>
+              <a:rPr lang="pt-BR" sz="1600" dirty="0">
+                <a:solidFill>
+                  <a:srgbClr val="FF4343"/>
+                </a:solidFill>
+                <a:latin typeface="Consolas" panose="020B0609020204030204" pitchFamily="49" charset="0"/>
+              </a:rPr>
+              <a:t>-</a:t>
+            </a:r>
+            <a:r>
+              <a:rPr lang="pt-BR" sz="1600" dirty="0">
+                <a:latin typeface="Consolas" panose="020B0609020204030204" pitchFamily="49" charset="0"/>
+              </a:rPr>
+              <a:t> </a:t>
+            </a:r>
+            <a:r>
+              <a:rPr lang="pt-BR" sz="1600" i="1" dirty="0" err="1">
+                <a:latin typeface="Consolas" panose="020B0609020204030204" pitchFamily="49" charset="0"/>
+              </a:rPr>
+              <a:t>term</a:t>
+            </a:r>
+            <a:r>
+              <a:rPr lang="pt-BR" sz="1600" i="1" dirty="0">
+                <a:latin typeface="Consolas" panose="020B0609020204030204" pitchFamily="49" charset="0"/>
+              </a:rPr>
+              <a:t>   </a:t>
+            </a:r>
+            <a:r>
+              <a:rPr lang="pt-BR" sz="1600" dirty="0">
+                <a:latin typeface="Consolas" panose="020B0609020204030204" pitchFamily="49" charset="0"/>
+              </a:rPr>
+              <a:t>{ </a:t>
+            </a:r>
+            <a:r>
+              <a:rPr lang="pt-BR" sz="1600" dirty="0" err="1">
+                <a:latin typeface="Consolas" panose="020B0609020204030204" pitchFamily="49" charset="0"/>
+              </a:rPr>
+              <a:t>print</a:t>
+            </a:r>
+            <a:r>
+              <a:rPr lang="pt-BR" sz="1600" dirty="0">
+                <a:latin typeface="Consolas" panose="020B0609020204030204" pitchFamily="49" charset="0"/>
+              </a:rPr>
+              <a:t>(</a:t>
+            </a:r>
+            <a:r>
+              <a:rPr lang="pt-BR" sz="1600" dirty="0">
+                <a:solidFill>
+                  <a:srgbClr val="FF7575"/>
+                </a:solidFill>
+                <a:latin typeface="Consolas" panose="020B0609020204030204" pitchFamily="49" charset="0"/>
+              </a:rPr>
+              <a:t>'-'</a:t>
+            </a:r>
+            <a:r>
+              <a:rPr lang="pt-BR" sz="1600" dirty="0">
+                <a:latin typeface="Consolas" panose="020B0609020204030204" pitchFamily="49" charset="0"/>
+              </a:rPr>
+              <a:t>) }</a:t>
+            </a:r>
+          </a:p>
+          <a:p>
+            <a:r>
+              <a:rPr lang="pt-BR" sz="1600" dirty="0">
+                <a:latin typeface="Consolas" panose="020B0609020204030204" pitchFamily="49" charset="0"/>
+              </a:rPr>
+              <a:t>     |</a:t>
+            </a:r>
+            <a:r>
+              <a:rPr lang="pt-BR" sz="1600" dirty="0">
+                <a:latin typeface="Consolas" panose="020B0609020204030204" pitchFamily="49" charset="0"/>
+                <a:sym typeface="Wingdings 3" panose="05040102010807070707" pitchFamily="18" charset="2"/>
+              </a:rPr>
+              <a:t>	</a:t>
+            </a:r>
+            <a:r>
+              <a:rPr lang="pt-BR" sz="1600" i="1" dirty="0" err="1">
+                <a:latin typeface="Consolas" panose="020B0609020204030204" pitchFamily="49" charset="0"/>
+              </a:rPr>
+              <a:t>term</a:t>
+            </a:r>
+            <a:r>
+              <a:rPr lang="pt-BR" sz="1600" i="1" dirty="0">
+                <a:latin typeface="Consolas" panose="020B0609020204030204" pitchFamily="49" charset="0"/>
+              </a:rPr>
+              <a:t> </a:t>
+            </a:r>
+          </a:p>
+        </p:txBody>
+      </p:sp>
+    </p:spTree>
+    <p:extLst>
+      <p:ext uri="{BB962C8B-B14F-4D97-AF65-F5344CB8AC3E}">
+        <p14:creationId xmlns:p14="http://schemas.microsoft.com/office/powerpoint/2010/main" val="1895756402"/>
+      </p:ext>
+    </p:extLst>
+  </p:cSld>
+  <p:clrMapOvr>
+    <a:masterClrMapping/>
+  </p:clrMapOvr>
+  <p:transition spd="med">
+    <p:pull/>
+  </p:transition>
+</p:sld>
+</file>
+
+<file path=ppt/slides/slide18.xml><?xml version="1.0" encoding="utf-8"?>
+<p:sld xmlns:a="http://schemas.openxmlformats.org/drawingml/2006/main" xmlns:r="http://schemas.openxmlformats.org/officeDocument/2006/relationships" xmlns:p="http://schemas.openxmlformats.org/presentationml/2006/main">
+  <p:cSld>
+    <p:spTree>
+      <p:nvGrpSpPr>
+        <p:cNvPr id="1" name=""/>
+        <p:cNvGrpSpPr/>
+        <p:nvPr/>
+      </p:nvGrpSpPr>
+      <p:grpSpPr>
+        <a:xfrm>
+          <a:off x="0" y="0"/>
+          <a:ext cx="0" cy="0"/>
+          <a:chOff x="0" y="0"/>
+          <a:chExt cx="0" cy="0"/>
+        </a:xfrm>
+      </p:grpSpPr>
+      <p:sp>
+        <p:nvSpPr>
+          <p:cNvPr id="2" name="Título 1">
+            <a:extLst>
+              <a:ext uri="{FF2B5EF4-FFF2-40B4-BE49-F238E27FC236}">
                 <a16:creationId xmlns:a16="http://schemas.microsoft.com/office/drawing/2014/main" id="{9B588E67-4486-4B4D-B8E5-A8C68718CAD3}"/>
               </a:ext>
             </a:extLst>
@@ -12290,7 +13118,7 @@
           <a:p>
             <a:r>
               <a:rPr lang="pt-BR" dirty="0"/>
-              <a:t>O </a:t>
+              <a:t>Uma ação semântica </a:t>
             </a:r>
             <a:r>
               <a:rPr lang="pt-BR" dirty="0">
@@ -12300,25 +13128,18 @@
                   </a:schemeClr>
                 </a:solidFill>
               </a:rPr>
-              <a:t>papel de uma tabela de símbolos </a:t>
+              <a:t>entra com informações </a:t>
             </a:r>
             <a:r>
               <a:rPr lang="pt-BR" dirty="0"/>
-              <a:t>é passar informações </a:t>
+              <a:t>sobre o identificador</a:t>
             </a:r>
           </a:p>
           <a:p>
             <a:pPr lvl="1"/>
             <a:r>
               <a:rPr lang="pt-BR" dirty="0"/>
-              <a:t>De declarações para usos de identificadores</a:t>
-            </a:r>
-          </a:p>
-          <a:p>
-            <a:pPr lvl="2"/>
-            <a:r>
-              <a:rPr lang="pt-BR" dirty="0"/>
-              <a:t>Uma ação semântica </a:t>
+              <a:t>Quando uma </a:t>
             </a:r>
             <a:r>
               <a:rPr lang="pt-BR" dirty="0">
@@ -12328,11 +13149,25 @@
                   </a:schemeClr>
                 </a:solidFill>
               </a:rPr>
-              <a:t>entra com informações </a:t>
+              <a:t>declaração</a:t>
             </a:r>
             <a:r>
               <a:rPr lang="pt-BR" dirty="0"/>
-              <a:t>sobre o identificador, quando uma </a:t>
+              <a:t> desse identificador é analisada</a:t>
+            </a:r>
+          </a:p>
+          <a:p>
+            <a:pPr lvl="1"/>
+            <a:endParaRPr lang="pt-BR" dirty="0"/>
+          </a:p>
+          <a:p>
+            <a:pPr lvl="1"/>
+            <a:endParaRPr lang="pt-BR" dirty="0"/>
+          </a:p>
+          <a:p>
+            <a:r>
+              <a:rPr lang="pt-BR" dirty="0"/>
+              <a:t>Uma ação semântica </a:t>
             </a:r>
             <a:r>
               <a:rPr lang="pt-BR" dirty="0">
@@ -12342,22 +13177,18 @@
                   </a:schemeClr>
                 </a:solidFill>
               </a:rPr>
-              <a:t>declaração</a:t>
+              <a:t>recupera informações</a:t>
             </a:r>
             <a:r>
               <a:rPr lang="pt-BR" dirty="0"/>
-              <a:t> desse identificador é analisada</a:t>
+              <a:t> sobre o identificador</a:t>
             </a:r>
           </a:p>
           <a:p>
             <a:pPr lvl="1"/>
-            <a:endParaRPr lang="pt-BR" dirty="0"/>
-          </a:p>
-          <a:p>
-            <a:pPr lvl="2"/>
             <a:r>
               <a:rPr lang="pt-BR" dirty="0"/>
-              <a:t>Uma ação semântica </a:t>
+              <a:t>Quando o identificador for </a:t>
             </a:r>
             <a:r>
               <a:rPr lang="pt-BR" dirty="0">
@@ -12367,25 +13198,11 @@
                   </a:schemeClr>
                 </a:solidFill>
               </a:rPr>
-              <a:t>associada a um uso </a:t>
+              <a:t>usado</a:t>
             </a:r>
             <a:r>
               <a:rPr lang="pt-BR" dirty="0"/>
-              <a:t>de um identificador, </a:t>
-            </a:r>
-            <a:r>
-              <a:rPr lang="pt-BR" dirty="0">
-                <a:solidFill>
-                  <a:schemeClr val="accent1">
-                    <a:lumMod val="75000"/>
-                  </a:schemeClr>
-                </a:solidFill>
-              </a:rPr>
-              <a:t>recupera informações</a:t>
-            </a:r>
-            <a:r>
-              <a:rPr lang="pt-BR" dirty="0"/>
-              <a:t> sobre o identificador na tabela</a:t>
+              <a:t> no programa</a:t>
             </a:r>
           </a:p>
         </p:txBody>
@@ -12404,8 +13221,8 @@
         </p:nvSpPr>
         <p:spPr>
           <a:xfrm>
-            <a:off x="2090513" y="3560358"/>
-            <a:ext cx="9332491" cy="369332"/>
+            <a:off x="1701924" y="2852936"/>
+            <a:ext cx="9332491" cy="861774"/>
           </a:xfrm>
           <a:prstGeom prst="rect">
             <a:avLst/>
@@ -12494,6 +13311,19 @@
               </a:rPr>
               <a:t>; </a:t>
             </a:r>
+            <a:br>
+              <a:rPr lang="pt-BR" sz="1600" dirty="0">
+                <a:latin typeface="Consolas" panose="020B0609020204030204" pitchFamily="49" charset="0"/>
+                <a:sym typeface="Wingdings 3" panose="05040102010807070707" pitchFamily="18" charset="2"/>
+              </a:rPr>
+            </a:br>
+            <a:r>
+              <a:rPr lang="pt-BR" sz="1600" dirty="0">
+                <a:latin typeface="Consolas" panose="020B0609020204030204" pitchFamily="49" charset="0"/>
+                <a:sym typeface="Wingdings 3" panose="05040102010807070707" pitchFamily="18" charset="2"/>
+              </a:rPr>
+              <a:t>                  </a:t>
+            </a:r>
             <a:r>
               <a:rPr lang="pt-BR" sz="1600" dirty="0" err="1">
                 <a:latin typeface="Consolas" panose="020B0609020204030204" pitchFamily="49" charset="0"/>
@@ -12532,12 +13362,25 @@
               </a:rPr>
               <a:t>; </a:t>
             </a:r>
+            <a:br>
+              <a:rPr lang="pt-BR" sz="1600" dirty="0">
+                <a:latin typeface="Consolas" panose="020B0609020204030204" pitchFamily="49" charset="0"/>
+                <a:sym typeface="Wingdings 3" panose="05040102010807070707" pitchFamily="18" charset="2"/>
+              </a:rPr>
+            </a:br>
+            <a:r>
+              <a:rPr lang="pt-BR" sz="1600" dirty="0">
+                <a:latin typeface="Consolas" panose="020B0609020204030204" pitchFamily="49" charset="0"/>
+                <a:sym typeface="Wingdings 3" panose="05040102010807070707" pitchFamily="18" charset="2"/>
+              </a:rPr>
+              <a:t>                  </a:t>
+            </a:r>
             <a:r>
               <a:rPr lang="pt-BR" sz="1600" dirty="0" err="1">
                 <a:latin typeface="Consolas" panose="020B0609020204030204" pitchFamily="49" charset="0"/>
                 <a:sym typeface="Wingdings 3" panose="05040102010807070707" pitchFamily="18" charset="2"/>
               </a:rPr>
-              <a:t>table.put</a:t>
+              <a:t>symTable.put</a:t>
             </a:r>
             <a:r>
               <a:rPr lang="pt-BR" sz="1600" dirty="0">
@@ -12597,8 +13440,8 @@
         </p:nvSpPr>
         <p:spPr>
           <a:xfrm>
-            <a:off x="2090513" y="4797152"/>
-            <a:ext cx="4445448" cy="1107996"/>
+            <a:off x="1701924" y="4913292"/>
+            <a:ext cx="5567550" cy="1107996"/>
           </a:xfrm>
           <a:prstGeom prst="rect">
             <a:avLst/>
@@ -12611,6 +13454,12 @@
           <a:lstStyle/>
           <a:p>
             <a:r>
+              <a:rPr lang="pt-BR" sz="1600" i="1" dirty="0">
+                <a:latin typeface="Consolas" panose="020B0609020204030204" pitchFamily="49" charset="0"/>
+              </a:rPr>
+              <a:t>      </a:t>
+            </a:r>
+            <a:r>
               <a:rPr lang="pt-BR" sz="1600" i="1" dirty="0" err="1">
                 <a:latin typeface="Consolas" panose="020B0609020204030204" pitchFamily="49" charset="0"/>
               </a:rPr>
@@ -12648,7 +13497,7 @@
                 <a:latin typeface="Consolas" panose="020B0609020204030204" pitchFamily="49" charset="0"/>
                 <a:sym typeface="Wingdings 3" panose="05040102010807070707" pitchFamily="18" charset="2"/>
               </a:rPr>
-              <a:t>table.get</a:t>
+              <a:t>symTable.get</a:t>
             </a:r>
             <a:r>
               <a:rPr lang="pt-BR" sz="1600" dirty="0">
@@ -12688,7 +13537,7 @@
                 <a:latin typeface="Consolas" panose="020B0609020204030204" pitchFamily="49" charset="0"/>
                 <a:sym typeface="Wingdings 3" panose="05040102010807070707" pitchFamily="18" charset="2"/>
               </a:rPr>
-              <a:t>            print(</a:t>
+              <a:t>                  print(</a:t>
             </a:r>
             <a:r>
               <a:rPr lang="pt-BR" sz="1600" dirty="0" err="1">
@@ -12721,7 +13570,7 @@
                 <a:latin typeface="Consolas" panose="020B0609020204030204" pitchFamily="49" charset="0"/>
                 <a:sym typeface="Wingdings 3" panose="05040102010807070707" pitchFamily="18" charset="2"/>
               </a:rPr>
-              <a:t>            print(</a:t>
+              <a:t>                  print(</a:t>
             </a:r>
             <a:r>
               <a:rPr lang="pt-BR" sz="1600" dirty="0">
@@ -12747,7 +13596,7 @@
                 <a:latin typeface="Consolas" panose="020B0609020204030204" pitchFamily="49" charset="0"/>
                 <a:sym typeface="Wingdings 3" panose="05040102010807070707" pitchFamily="18" charset="2"/>
               </a:rPr>
-              <a:t>            print(</a:t>
+              <a:t>                  print(</a:t>
             </a:r>
             <a:r>
               <a:rPr lang="pt-BR" sz="1600" dirty="0" err="1">
@@ -12782,7 +13631,7 @@
 </p:sld>
 </file>
 
-<file path=ppt/slides/slide18.xml><?xml version="1.0" encoding="utf-8"?>
+<file path=ppt/slides/slide19.xml><?xml version="1.0" encoding="utf-8"?>
 <p:sld xmlns:a="http://schemas.openxmlformats.org/drawingml/2006/main" xmlns:r="http://schemas.openxmlformats.org/officeDocument/2006/relationships" xmlns:p="http://schemas.openxmlformats.org/presentationml/2006/main">
   <p:cSld>
     <p:spTree>
@@ -12884,14 +13733,14 @@
           <p:nvPr>
             <p:extLst>
               <p:ext uri="{D42A27DB-BD31-4B8C-83A1-F6EECF244321}">
-                <p14:modId xmlns:p14="http://schemas.microsoft.com/office/powerpoint/2010/main" val="702409974"/>
+                <p14:modId xmlns:p14="http://schemas.microsoft.com/office/powerpoint/2010/main" val="169486903"/>
               </p:ext>
             </p:extLst>
           </p:nvPr>
         </p:nvGraphicFramePr>
         <p:xfrm>
-          <a:off x="1269877" y="2564904"/>
-          <a:ext cx="10009112" cy="3456384"/>
+          <a:off x="1269876" y="2564904"/>
+          <a:ext cx="10225135" cy="3456384"/>
         </p:xfrm>
         <a:graphic>
           <a:graphicData uri="http://schemas.openxmlformats.org/drawingml/2006/table">
@@ -12900,28 +13749,28 @@
                 <a:tableStyleId>{5C22544A-7EE6-4342-B048-85BDC9FD1C3A}</a:tableStyleId>
               </a:tblPr>
               <a:tblGrid>
-                <a:gridCol w="973108">
+                <a:gridCol w="936104">
                   <a:extLst>
                     <a:ext uri="{9D8B030D-6E8A-4147-A177-3AD203B41FA5}">
                       <a16:colId xmlns:a16="http://schemas.microsoft.com/office/drawing/2014/main" val="2460722778"/>
                     </a:ext>
                   </a:extLst>
                 </a:gridCol>
-                <a:gridCol w="347539">
+                <a:gridCol w="360040">
                   <a:extLst>
                     <a:ext uri="{9D8B030D-6E8A-4147-A177-3AD203B41FA5}">
                       <a16:colId xmlns:a16="http://schemas.microsoft.com/office/drawing/2014/main" val="1529408211"/>
                     </a:ext>
                   </a:extLst>
                 </a:gridCol>
-                <a:gridCol w="1529170">
+                <a:gridCol w="1512168">
                   <a:extLst>
                     <a:ext uri="{9D8B030D-6E8A-4147-A177-3AD203B41FA5}">
                       <a16:colId xmlns:a16="http://schemas.microsoft.com/office/drawing/2014/main" val="2158414542"/>
                     </a:ext>
                   </a:extLst>
                 </a:gridCol>
-                <a:gridCol w="7159295">
+                <a:gridCol w="7416823">
                   <a:extLst>
                     <a:ext uri="{9D8B030D-6E8A-4147-A177-3AD203B41FA5}">
                       <a16:colId xmlns:a16="http://schemas.microsoft.com/office/drawing/2014/main" val="4150831251"/>
@@ -13139,7 +13988,7 @@
                           <a:ea typeface="Times New Roman" panose="02020603050405020304" pitchFamily="18" charset="0"/>
                           <a:cs typeface="Times New Roman" panose="02020603050405020304" pitchFamily="18" charset="0"/>
                         </a:rPr>
-                        <a:t>table</a:t>
+                        <a:t>symTable</a:t>
                       </a:r>
                       <a:r>
                         <a:rPr lang="pt-BR" sz="1400" b="0" i="0" dirty="0">
@@ -13666,7 +14515,7 @@
                           <a:ea typeface="Times New Roman" panose="02020603050405020304" pitchFamily="18" charset="0"/>
                           <a:cs typeface="Times New Roman" panose="02020603050405020304" pitchFamily="18" charset="0"/>
                         </a:rPr>
-                        <a:t>table</a:t>
+                        <a:t>symTable</a:t>
                       </a:r>
                       <a:r>
                         <a:rPr lang="pt-BR" sz="1400" dirty="0">
@@ -13690,7 +14539,7 @@
                           <a:ea typeface="Times New Roman" panose="02020603050405020304" pitchFamily="18" charset="0"/>
                           <a:cs typeface="Times New Roman" panose="02020603050405020304" pitchFamily="18" charset="0"/>
                         </a:rPr>
-                        <a:t>table</a:t>
+                        <a:t>symTable</a:t>
                       </a:r>
                       <a:r>
                         <a:rPr lang="pt-BR" sz="1400" dirty="0">
@@ -13734,14 +14583,17 @@
                       <a:r>
                         <a:rPr lang="pt-BR" sz="1400" dirty="0" err="1">
                           <a:solidFill>
-                            <a:schemeClr val="tx1"/>
+                            <a:schemeClr val="accent1">
+                              <a:lumMod val="60000"/>
+                              <a:lumOff val="40000"/>
+                            </a:schemeClr>
                           </a:solidFill>
                           <a:effectLst/>
                           <a:latin typeface="Consolas" panose="020B0609020204030204" pitchFamily="49" charset="0"/>
                           <a:ea typeface="Times New Roman" panose="02020603050405020304" pitchFamily="18" charset="0"/>
                           <a:cs typeface="Times New Roman" panose="02020603050405020304" pitchFamily="18" charset="0"/>
                         </a:rPr>
-                        <a:t>Env</a:t>
+                        <a:t>SymTable</a:t>
                       </a:r>
                       <a:r>
                         <a:rPr lang="pt-BR" sz="1400" dirty="0">
@@ -13765,7 +14617,7 @@
                           <a:ea typeface="Times New Roman" panose="02020603050405020304" pitchFamily="18" charset="0"/>
                           <a:cs typeface="Times New Roman" panose="02020603050405020304" pitchFamily="18" charset="0"/>
                         </a:rPr>
-                        <a:t>table</a:t>
+                        <a:t>symTable</a:t>
                       </a:r>
                       <a:r>
                         <a:rPr lang="pt-BR" sz="1400" dirty="0">
@@ -14065,7 +14917,7 @@
                           <a:ea typeface="Times New Roman" panose="02020603050405020304" pitchFamily="18" charset="0"/>
                           <a:cs typeface="Times New Roman" panose="02020603050405020304" pitchFamily="18" charset="0"/>
                         </a:rPr>
-                        <a:t>table</a:t>
+                        <a:t>symTable</a:t>
                       </a:r>
                       <a:r>
                         <a:rPr lang="pt-BR" sz="1400" dirty="0">
@@ -14956,7 +15808,7 @@
                           <a:ea typeface="Times New Roman" panose="02020603050405020304" pitchFamily="18" charset="0"/>
                           <a:cs typeface="Times New Roman" panose="02020603050405020304" pitchFamily="18" charset="0"/>
                         </a:rPr>
-                        <a:t>table.put</a:t>
+                        <a:t>symTable.put</a:t>
                       </a:r>
                       <a:r>
                         <a:rPr lang="en-US" sz="1400" dirty="0">
@@ -16233,7 +17085,7 @@
                           <a:ea typeface="Times New Roman" panose="02020603050405020304" pitchFamily="18" charset="0"/>
                           <a:cs typeface="Times New Roman" panose="02020603050405020304" pitchFamily="18" charset="0"/>
                         </a:rPr>
-                        <a:t>table.get</a:t>
+                        <a:t>symTable.get</a:t>
                       </a:r>
                       <a:r>
                         <a:rPr lang="pt-BR" sz="1400" dirty="0">
@@ -16407,224 +17259,6 @@
     <p:extLst>
       <p:ext uri="{BB962C8B-B14F-4D97-AF65-F5344CB8AC3E}">
         <p14:creationId xmlns:p14="http://schemas.microsoft.com/office/powerpoint/2010/main" val="3711155791"/>
-      </p:ext>
-    </p:extLst>
-  </p:cSld>
-  <p:clrMapOvr>
-    <a:masterClrMapping/>
-  </p:clrMapOvr>
-  <p:transition spd="med">
-    <p:pull/>
-  </p:transition>
-</p:sld>
-</file>
-
-<file path=ppt/slides/slide19.xml><?xml version="1.0" encoding="utf-8"?>
-<p:sld xmlns:a="http://schemas.openxmlformats.org/drawingml/2006/main" xmlns:r="http://schemas.openxmlformats.org/officeDocument/2006/relationships" xmlns:p="http://schemas.openxmlformats.org/presentationml/2006/main">
-  <p:cSld>
-    <p:spTree>
-      <p:nvGrpSpPr>
-        <p:cNvPr id="1" name=""/>
-        <p:cNvGrpSpPr/>
-        <p:nvPr/>
-      </p:nvGrpSpPr>
-      <p:grpSpPr>
-        <a:xfrm>
-          <a:off x="0" y="0"/>
-          <a:ext cx="0" cy="0"/>
-          <a:chOff x="0" y="0"/>
-          <a:chExt cx="0" cy="0"/>
-        </a:xfrm>
-      </p:grpSpPr>
-      <p:sp>
-        <p:nvSpPr>
-          <p:cNvPr id="2" name="Título 1">
-            <a:extLst>
-              <a:ext uri="{FF2B5EF4-FFF2-40B4-BE49-F238E27FC236}">
-                <a16:creationId xmlns:a16="http://schemas.microsoft.com/office/drawing/2014/main" id="{22A08FDF-85AE-4A39-9178-A25ADA6A2CC6}"/>
-              </a:ext>
-            </a:extLst>
-          </p:cNvPr>
-          <p:cNvSpPr>
-            <a:spLocks noGrp="1"/>
-          </p:cNvSpPr>
-          <p:nvPr>
-            <p:ph type="title"/>
-          </p:nvPr>
-        </p:nvSpPr>
-        <p:spPr/>
-        <p:txBody>
-          <a:bodyPr/>
-          <a:lstStyle/>
-          <a:p>
-            <a:r>
-              <a:rPr lang="pt-BR" dirty="0"/>
-              <a:t>Resumo</a:t>
-            </a:r>
-          </a:p>
-        </p:txBody>
-      </p:sp>
-      <p:sp>
-        <p:nvSpPr>
-          <p:cNvPr id="3" name="Espaço Reservado para Conteúdo 2">
-            <a:extLst>
-              <a:ext uri="{FF2B5EF4-FFF2-40B4-BE49-F238E27FC236}">
-                <a16:creationId xmlns:a16="http://schemas.microsoft.com/office/drawing/2014/main" id="{52A0DAD9-E989-4751-9C1C-148210C2519C}"/>
-              </a:ext>
-            </a:extLst>
-          </p:cNvPr>
-          <p:cNvSpPr>
-            <a:spLocks noGrp="1"/>
-          </p:cNvSpPr>
-          <p:nvPr>
-            <p:ph idx="1"/>
-          </p:nvPr>
-        </p:nvSpPr>
-        <p:spPr/>
-        <p:txBody>
-          <a:bodyPr>
-            <a:normAutofit/>
-          </a:bodyPr>
-          <a:lstStyle/>
-          <a:p>
-            <a:r>
-              <a:rPr lang="pt-BR" dirty="0"/>
-              <a:t>A tabela de símbolos é usada para </a:t>
-            </a:r>
-            <a:r>
-              <a:rPr lang="pt-BR" dirty="0">
-                <a:solidFill>
-                  <a:schemeClr val="accent1">
-                    <a:lumMod val="75000"/>
-                  </a:schemeClr>
-                </a:solidFill>
-              </a:rPr>
-              <a:t>passar informações</a:t>
-            </a:r>
-            <a:endParaRPr lang="pt-BR" dirty="0"/>
-          </a:p>
-          <a:p>
-            <a:pPr lvl="1"/>
-            <a:r>
-              <a:rPr lang="pt-BR" dirty="0"/>
-              <a:t>Declarações de identificadores são </a:t>
-            </a:r>
-            <a:r>
-              <a:rPr lang="pt-BR" dirty="0">
-                <a:solidFill>
-                  <a:schemeClr val="accent1">
-                    <a:lumMod val="75000"/>
-                  </a:schemeClr>
-                </a:solidFill>
-              </a:rPr>
-              <a:t>armazenadas</a:t>
-            </a:r>
-            <a:r>
-              <a:rPr lang="pt-BR" dirty="0"/>
-              <a:t> na tabela</a:t>
-            </a:r>
-          </a:p>
-          <a:p>
-            <a:pPr lvl="1"/>
-            <a:r>
-              <a:rPr lang="pt-BR" dirty="0"/>
-              <a:t>Usos de identificadores são </a:t>
-            </a:r>
-            <a:r>
-              <a:rPr lang="pt-BR" dirty="0">
-                <a:solidFill>
-                  <a:schemeClr val="accent1">
-                    <a:lumMod val="75000"/>
-                  </a:schemeClr>
-                </a:solidFill>
-              </a:rPr>
-              <a:t>consultados</a:t>
-            </a:r>
-            <a:r>
-              <a:rPr lang="pt-BR" dirty="0"/>
-              <a:t> na tabela</a:t>
-            </a:r>
-          </a:p>
-          <a:p>
-            <a:r>
-              <a:rPr lang="pt-BR" dirty="0"/>
-              <a:t>O </a:t>
-            </a:r>
-            <a:r>
-              <a:rPr lang="pt-BR" dirty="0">
-                <a:solidFill>
-                  <a:schemeClr val="accent1">
-                    <a:lumMod val="75000"/>
-                  </a:schemeClr>
-                </a:solidFill>
-              </a:rPr>
-              <a:t>esquema de tradução </a:t>
-            </a:r>
-            <a:r>
-              <a:rPr lang="pt-BR" dirty="0"/>
-              <a:t>contém </a:t>
-            </a:r>
-            <a:r>
-              <a:rPr lang="pt-BR" dirty="0">
-                <a:solidFill>
-                  <a:schemeClr val="accent1">
-                    <a:lumMod val="75000"/>
-                  </a:schemeClr>
-                </a:solidFill>
-              </a:rPr>
-              <a:t>ações semânticas</a:t>
-            </a:r>
-          </a:p>
-          <a:p>
-            <a:pPr lvl="1"/>
-            <a:r>
-              <a:rPr lang="pt-BR" dirty="0"/>
-              <a:t>Para guardar o estado atual do ambiente</a:t>
-            </a:r>
-          </a:p>
-          <a:p>
-            <a:pPr lvl="1"/>
-            <a:r>
-              <a:rPr lang="pt-BR" dirty="0"/>
-              <a:t>Alterar o ambiente conforme o compilador navega pelos blocos</a:t>
-            </a:r>
-          </a:p>
-          <a:p>
-            <a:r>
-              <a:rPr lang="pt-BR" dirty="0"/>
-              <a:t>O processamento dos blocos cria as tabelas</a:t>
-            </a:r>
-            <a:endParaRPr lang="pt-BR" dirty="0">
-              <a:solidFill>
-                <a:schemeClr val="accent1">
-                  <a:lumMod val="75000"/>
-                </a:schemeClr>
-              </a:solidFill>
-            </a:endParaRPr>
-          </a:p>
-          <a:p>
-            <a:pPr lvl="1"/>
-            <a:r>
-              <a:rPr lang="pt-BR" dirty="0"/>
-              <a:t>Elas são </a:t>
-            </a:r>
-            <a:r>
-              <a:rPr lang="pt-BR" dirty="0">
-                <a:solidFill>
-                  <a:schemeClr val="accent1">
-                    <a:lumMod val="75000"/>
-                  </a:schemeClr>
-                </a:solidFill>
-              </a:rPr>
-              <a:t>conectadas em uma árvore</a:t>
-            </a:r>
-          </a:p>
-        </p:txBody>
-      </p:sp>
-    </p:spTree>
-    <p:extLst>
-      <p:ext uri="{BB962C8B-B14F-4D97-AF65-F5344CB8AC3E}">
-        <p14:creationId xmlns:p14="http://schemas.microsoft.com/office/powerpoint/2010/main" val="2756075386"/>
       </p:ext>
     </p:extLst>
   </p:cSld>
@@ -17438,6 +18072,224 @@
     <p:extLst>
       <p:ext uri="{BB962C8B-B14F-4D97-AF65-F5344CB8AC3E}">
         <p14:creationId xmlns:p14="http://schemas.microsoft.com/office/powerpoint/2010/main" val="3813757586"/>
+      </p:ext>
+    </p:extLst>
+  </p:cSld>
+  <p:clrMapOvr>
+    <a:masterClrMapping/>
+  </p:clrMapOvr>
+  <p:transition spd="med">
+    <p:pull/>
+  </p:transition>
+</p:sld>
+</file>
+
+<file path=ppt/slides/slide20.xml><?xml version="1.0" encoding="utf-8"?>
+<p:sld xmlns:a="http://schemas.openxmlformats.org/drawingml/2006/main" xmlns:r="http://schemas.openxmlformats.org/officeDocument/2006/relationships" xmlns:p="http://schemas.openxmlformats.org/presentationml/2006/main">
+  <p:cSld>
+    <p:spTree>
+      <p:nvGrpSpPr>
+        <p:cNvPr id="1" name=""/>
+        <p:cNvGrpSpPr/>
+        <p:nvPr/>
+      </p:nvGrpSpPr>
+      <p:grpSpPr>
+        <a:xfrm>
+          <a:off x="0" y="0"/>
+          <a:ext cx="0" cy="0"/>
+          <a:chOff x="0" y="0"/>
+          <a:chExt cx="0" cy="0"/>
+        </a:xfrm>
+      </p:grpSpPr>
+      <p:sp>
+        <p:nvSpPr>
+          <p:cNvPr id="2" name="Título 1">
+            <a:extLst>
+              <a:ext uri="{FF2B5EF4-FFF2-40B4-BE49-F238E27FC236}">
+                <a16:creationId xmlns:a16="http://schemas.microsoft.com/office/drawing/2014/main" id="{22A08FDF-85AE-4A39-9178-A25ADA6A2CC6}"/>
+              </a:ext>
+            </a:extLst>
+          </p:cNvPr>
+          <p:cNvSpPr>
+            <a:spLocks noGrp="1"/>
+          </p:cNvSpPr>
+          <p:nvPr>
+            <p:ph type="title"/>
+          </p:nvPr>
+        </p:nvSpPr>
+        <p:spPr/>
+        <p:txBody>
+          <a:bodyPr/>
+          <a:lstStyle/>
+          <a:p>
+            <a:r>
+              <a:rPr lang="pt-BR" dirty="0"/>
+              <a:t>Resumo</a:t>
+            </a:r>
+          </a:p>
+        </p:txBody>
+      </p:sp>
+      <p:sp>
+        <p:nvSpPr>
+          <p:cNvPr id="3" name="Espaço Reservado para Conteúdo 2">
+            <a:extLst>
+              <a:ext uri="{FF2B5EF4-FFF2-40B4-BE49-F238E27FC236}">
+                <a16:creationId xmlns:a16="http://schemas.microsoft.com/office/drawing/2014/main" id="{52A0DAD9-E989-4751-9C1C-148210C2519C}"/>
+              </a:ext>
+            </a:extLst>
+          </p:cNvPr>
+          <p:cNvSpPr>
+            <a:spLocks noGrp="1"/>
+          </p:cNvSpPr>
+          <p:nvPr>
+            <p:ph idx="1"/>
+          </p:nvPr>
+        </p:nvSpPr>
+        <p:spPr/>
+        <p:txBody>
+          <a:bodyPr>
+            <a:normAutofit/>
+          </a:bodyPr>
+          <a:lstStyle/>
+          <a:p>
+            <a:r>
+              <a:rPr lang="pt-BR" dirty="0"/>
+              <a:t>A tabela de símbolos é usada para </a:t>
+            </a:r>
+            <a:r>
+              <a:rPr lang="pt-BR" dirty="0">
+                <a:solidFill>
+                  <a:schemeClr val="accent1">
+                    <a:lumMod val="75000"/>
+                  </a:schemeClr>
+                </a:solidFill>
+              </a:rPr>
+              <a:t>passar informações</a:t>
+            </a:r>
+            <a:endParaRPr lang="pt-BR" dirty="0"/>
+          </a:p>
+          <a:p>
+            <a:pPr lvl="1"/>
+            <a:r>
+              <a:rPr lang="pt-BR" dirty="0"/>
+              <a:t>Declarações de identificadores são </a:t>
+            </a:r>
+            <a:r>
+              <a:rPr lang="pt-BR" dirty="0">
+                <a:solidFill>
+                  <a:schemeClr val="accent1">
+                    <a:lumMod val="75000"/>
+                  </a:schemeClr>
+                </a:solidFill>
+              </a:rPr>
+              <a:t>armazenadas</a:t>
+            </a:r>
+            <a:r>
+              <a:rPr lang="pt-BR" dirty="0"/>
+              <a:t> na tabela</a:t>
+            </a:r>
+          </a:p>
+          <a:p>
+            <a:pPr lvl="1"/>
+            <a:r>
+              <a:rPr lang="pt-BR" dirty="0"/>
+              <a:t>Usos de identificadores são </a:t>
+            </a:r>
+            <a:r>
+              <a:rPr lang="pt-BR" dirty="0">
+                <a:solidFill>
+                  <a:schemeClr val="accent1">
+                    <a:lumMod val="75000"/>
+                  </a:schemeClr>
+                </a:solidFill>
+              </a:rPr>
+              <a:t>consultados</a:t>
+            </a:r>
+            <a:r>
+              <a:rPr lang="pt-BR" dirty="0"/>
+              <a:t> na tabela</a:t>
+            </a:r>
+          </a:p>
+          <a:p>
+            <a:r>
+              <a:rPr lang="pt-BR" dirty="0"/>
+              <a:t>O </a:t>
+            </a:r>
+            <a:r>
+              <a:rPr lang="pt-BR" dirty="0">
+                <a:solidFill>
+                  <a:schemeClr val="accent1">
+                    <a:lumMod val="75000"/>
+                  </a:schemeClr>
+                </a:solidFill>
+              </a:rPr>
+              <a:t>esquema de tradução </a:t>
+            </a:r>
+            <a:r>
+              <a:rPr lang="pt-BR" dirty="0"/>
+              <a:t>contém </a:t>
+            </a:r>
+            <a:r>
+              <a:rPr lang="pt-BR" dirty="0">
+                <a:solidFill>
+                  <a:schemeClr val="accent1">
+                    <a:lumMod val="75000"/>
+                  </a:schemeClr>
+                </a:solidFill>
+              </a:rPr>
+              <a:t>ações semânticas</a:t>
+            </a:r>
+          </a:p>
+          <a:p>
+            <a:pPr lvl="1"/>
+            <a:r>
+              <a:rPr lang="pt-BR" dirty="0"/>
+              <a:t>Para guardar o estado atual do ambiente</a:t>
+            </a:r>
+          </a:p>
+          <a:p>
+            <a:pPr lvl="1"/>
+            <a:r>
+              <a:rPr lang="pt-BR" dirty="0"/>
+              <a:t>Alterar o ambiente conforme o compilador navega pelos blocos</a:t>
+            </a:r>
+          </a:p>
+          <a:p>
+            <a:r>
+              <a:rPr lang="pt-BR" dirty="0"/>
+              <a:t>O processamento dos blocos { } cria as tabelas</a:t>
+            </a:r>
+            <a:endParaRPr lang="pt-BR" dirty="0">
+              <a:solidFill>
+                <a:schemeClr val="accent1">
+                  <a:lumMod val="75000"/>
+                </a:schemeClr>
+              </a:solidFill>
+            </a:endParaRPr>
+          </a:p>
+          <a:p>
+            <a:pPr lvl="1"/>
+            <a:r>
+              <a:rPr lang="pt-BR" dirty="0"/>
+              <a:t>Elas são </a:t>
+            </a:r>
+            <a:r>
+              <a:rPr lang="pt-BR" dirty="0">
+                <a:solidFill>
+                  <a:schemeClr val="accent1">
+                    <a:lumMod val="75000"/>
+                  </a:schemeClr>
+                </a:solidFill>
+              </a:rPr>
+              <a:t>conectadas em uma árvore</a:t>
+            </a:r>
+          </a:p>
+        </p:txBody>
+      </p:sp>
+    </p:spTree>
+    <p:extLst>
+      <p:ext uri="{BB962C8B-B14F-4D97-AF65-F5344CB8AC3E}">
+        <p14:creationId xmlns:p14="http://schemas.microsoft.com/office/powerpoint/2010/main" val="2756075386"/>
       </p:ext>
     </p:extLst>
   </p:cSld>
@@ -18388,9 +19240,9 @@
             <p:nvPr/>
           </p:nvCxnSpPr>
           <p:spPr>
-            <a:xfrm>
-              <a:off x="8542704" y="4906604"/>
-              <a:ext cx="430028" cy="1"/>
+            <a:xfrm flipV="1">
+              <a:off x="8542704" y="4906383"/>
+              <a:ext cx="288012" cy="221"/>
             </a:xfrm>
             <a:prstGeom prst="straightConnector1">
               <a:avLst/>
@@ -20000,7 +20852,7 @@
             <a:pPr lvl="1"/>
             <a:r>
               <a:rPr lang="pt-BR" dirty="0"/>
-              <a:t>Os nomes dos identificadores (variáveis, funções, classes, etc.)</a:t>
+              <a:t>Os nomes de identificadores (variáveis, funções, classes, etc.)</a:t>
             </a:r>
           </a:p>
           <a:p>
@@ -21313,7 +22165,17 @@
             <a:pPr lvl="2"/>
             <a:r>
               <a:rPr lang="pt-BR" dirty="0"/>
-              <a:t>Permite identificar o tipo correto da variável em cada uso</a:t>
+              <a:t>Permite identificar o tipo correto da variável </a:t>
+            </a:r>
+            <a:r>
+              <a:rPr lang="pt-BR" dirty="0">
+                <a:solidFill>
+                  <a:schemeClr val="accent1">
+                    <a:lumMod val="75000"/>
+                  </a:schemeClr>
+                </a:solidFill>
+              </a:rPr>
+              <a:t>em cada uso</a:t>
             </a:r>
           </a:p>
           <a:p>
@@ -25075,14 +25937,12 @@
 </file>
 
 <file path=customXml/item1.xml><?xml version="1.0" encoding="utf-8"?>
-<p:properties xmlns:p="http://schemas.microsoft.com/office/2006/metadata/properties" xmlns:xsi="http://www.w3.org/2001/XMLSchema-instance" xmlns:pc="http://schemas.microsoft.com/office/infopath/2007/PartnerControls">
-  <documentManagement>
-    <VSO_x0020_item_x0020_id xmlns="40262f94-9f35-4ac3-9a90-690165a166b7" xsi:nil="true"/>
-    <Assetid_x0020_ xmlns="40262f94-9f35-4ac3-9a90-690165a166b7" xsi:nil="true"/>
-    <Item_x0020_Details xmlns="40262f94-9f35-4ac3-9a90-690165a166b7" xsi:nil="true"/>
-    <Template_x0020_details xmlns="40262f94-9f35-4ac3-9a90-690165a166b7" xsi:nil="true"/>
-  </documentManagement>
-</p:properties>
+<?mso-contentType ?>
+<FormTemplates xmlns="http://schemas.microsoft.com/sharepoint/v3/contenttype/forms">
+  <Display>DocumentLibraryForm</Display>
+  <Edit>DocumentLibraryForm</Edit>
+  <New>DocumentLibraryForm</New>
+</FormTemplates>
 </file>
 
 <file path=customXml/item2.xml><?xml version="1.0" encoding="utf-8"?>
@@ -25267,20 +26127,20 @@
 </file>
 
 <file path=customXml/item3.xml><?xml version="1.0" encoding="utf-8"?>
-<?mso-contentType ?>
-<FormTemplates xmlns="http://schemas.microsoft.com/sharepoint/v3/contenttype/forms">
-  <Display>DocumentLibraryForm</Display>
-  <Edit>DocumentLibraryForm</Edit>
-  <New>DocumentLibraryForm</New>
-</FormTemplates>
+<p:properties xmlns:p="http://schemas.microsoft.com/office/2006/metadata/properties" xmlns:xsi="http://www.w3.org/2001/XMLSchema-instance" xmlns:pc="http://schemas.microsoft.com/office/infopath/2007/PartnerControls">
+  <documentManagement>
+    <VSO_x0020_item_x0020_id xmlns="40262f94-9f35-4ac3-9a90-690165a166b7" xsi:nil="true"/>
+    <Assetid_x0020_ xmlns="40262f94-9f35-4ac3-9a90-690165a166b7" xsi:nil="true"/>
+    <Item_x0020_Details xmlns="40262f94-9f35-4ac3-9a90-690165a166b7" xsi:nil="true"/>
+    <Template_x0020_details xmlns="40262f94-9f35-4ac3-9a90-690165a166b7" xsi:nil="true"/>
+  </documentManagement>
+</p:properties>
 </file>
 
 <file path=customXml/itemProps1.xml><?xml version="1.0" encoding="utf-8"?>
-<ds:datastoreItem xmlns:ds="http://schemas.openxmlformats.org/officeDocument/2006/customXml" ds:itemID="{045C5BB1-9D2C-412A-AE6C-0FC75190A4CE}">
+<ds:datastoreItem xmlns:ds="http://schemas.openxmlformats.org/officeDocument/2006/customXml" ds:itemID="{2B6DE00F-F2BC-4082-AB87-D0D78777DE1E}">
   <ds:schemaRefs>
-    <ds:schemaRef ds:uri="http://schemas.microsoft.com/office/2006/metadata/properties"/>
-    <ds:schemaRef ds:uri="http://schemas.microsoft.com/office/infopath/2007/PartnerControls"/>
-    <ds:schemaRef ds:uri="40262f94-9f35-4ac3-9a90-690165a166b7"/>
+    <ds:schemaRef ds:uri="http://schemas.microsoft.com/sharepoint/v3/contenttype/forms"/>
   </ds:schemaRefs>
 </ds:datastoreItem>
 </file>
@@ -25305,9 +26165,11 @@
 </file>
 
 <file path=customXml/itemProps3.xml><?xml version="1.0" encoding="utf-8"?>
-<ds:datastoreItem xmlns:ds="http://schemas.openxmlformats.org/officeDocument/2006/customXml" ds:itemID="{2B6DE00F-F2BC-4082-AB87-D0D78777DE1E}">
+<ds:datastoreItem xmlns:ds="http://schemas.openxmlformats.org/officeDocument/2006/customXml" ds:itemID="{045C5BB1-9D2C-412A-AE6C-0FC75190A4CE}">
   <ds:schemaRefs>
-    <ds:schemaRef ds:uri="http://schemas.microsoft.com/sharepoint/v3/contenttype/forms"/>
+    <ds:schemaRef ds:uri="http://schemas.microsoft.com/office/2006/metadata/properties"/>
+    <ds:schemaRef ds:uri="http://schemas.microsoft.com/office/infopath/2007/PartnerControls"/>
+    <ds:schemaRef ds:uri="40262f94-9f35-4ac3-9a90-690165a166b7"/>
   </ds:schemaRefs>
 </ds:datastoreItem>
 </file>